--- a/docs/Презентация ИИП Ануваров Р. М. 10А.pptx
+++ b/docs/Презентация ИИП Ануваров Р. М. 10А.pptx
@@ -6,6 +6,16 @@
   </p:sldMasterIdLst>
   <p:sldIdLst>
     <p:sldId id="256" r:id="rId2"/>
+    <p:sldId id="257" r:id="rId3"/>
+    <p:sldId id="258" r:id="rId4"/>
+    <p:sldId id="259" r:id="rId5"/>
+    <p:sldId id="260" r:id="rId6"/>
+    <p:sldId id="263" r:id="rId7"/>
+    <p:sldId id="261" r:id="rId8"/>
+    <p:sldId id="262" r:id="rId9"/>
+    <p:sldId id="265" r:id="rId10"/>
+    <p:sldId id="264" r:id="rId11"/>
+    <p:sldId id="266" r:id="rId12"/>
   </p:sldIdLst>
   <p:sldSz cx="12192000" cy="6858000"/>
   <p:notesSz cx="6858000" cy="9144000"/>
@@ -104,6 +114,11 @@
       </a:defRPr>
     </a:lvl9pPr>
   </p:defaultTextStyle>
+  <p:extLst>
+    <p:ext uri="{EFAFB233-063F-42B5-8137-9DF3F51BA10A}">
+      <p15:sldGuideLst xmlns:p15="http://schemas.microsoft.com/office/powerpoint/2012/main"/>
+    </p:ext>
+  </p:extLst>
 </p:presentation>
 </file>
 
@@ -164,7 +179,7 @@
           <a:noFill/>
           <a:extLst>
             <a:ext uri="{909E8E84-426E-40dd-AFC4-6F175D3DCCD1}">
-              <a14:hiddenFill xmlns:a14="http://schemas.microsoft.com/office/drawing/2010/main" xmlns="">
+              <a14:hiddenFill xmlns="" xmlns:a14="http://schemas.microsoft.com/office/drawing/2010/main">
                 <a:solidFill>
                   <a:srgbClr val="FFFFFF"/>
                 </a:solidFill>
@@ -223,7 +238,7 @@
             </a:ln>
             <a:extLst>
               <a:ext uri="{91240B29-F687-4f45-9708-019B960494DF}">
-                <a14:hiddenLine xmlns:a14="http://schemas.microsoft.com/office/drawing/2010/main" xmlns="" w="9525">
+                <a14:hiddenLine xmlns="" xmlns:a14="http://schemas.microsoft.com/office/drawing/2010/main" w="9525">
                   <a:solidFill>
                     <a:srgbClr val="000000"/>
                   </a:solidFill>
@@ -313,7 +328,7 @@
             </a:ln>
             <a:extLst>
               <a:ext uri="{91240B29-F687-4f45-9708-019B960494DF}">
-                <a14:hiddenLine xmlns:a14="http://schemas.microsoft.com/office/drawing/2010/main" xmlns="" w="9525">
+                <a14:hiddenLine xmlns="" xmlns:a14="http://schemas.microsoft.com/office/drawing/2010/main" w="9525">
                   <a:solidFill>
                     <a:srgbClr val="000000"/>
                   </a:solidFill>
@@ -403,7 +418,7 @@
             </a:ln>
             <a:extLst>
               <a:ext uri="{91240B29-F687-4f45-9708-019B960494DF}">
-                <a14:hiddenLine xmlns:a14="http://schemas.microsoft.com/office/drawing/2010/main" xmlns="" w="9525">
+                <a14:hiddenLine xmlns="" xmlns:a14="http://schemas.microsoft.com/office/drawing/2010/main" w="9525">
                   <a:solidFill>
                     <a:srgbClr val="000000"/>
                   </a:solidFill>
@@ -437,7 +452,7 @@
             </a:ln>
             <a:extLst>
               <a:ext uri="{91240B29-F687-4f45-9708-019B960494DF}">
-                <a14:hiddenLine xmlns:a14="http://schemas.microsoft.com/office/drawing/2010/main" xmlns="" w="9525">
+                <a14:hiddenLine xmlns="" xmlns:a14="http://schemas.microsoft.com/office/drawing/2010/main" w="9525">
                   <a:solidFill>
                     <a:srgbClr val="000000"/>
                   </a:solidFill>
@@ -527,7 +542,7 @@
             </a:ln>
             <a:extLst>
               <a:ext uri="{91240B29-F687-4f45-9708-019B960494DF}">
-                <a14:hiddenLine xmlns:a14="http://schemas.microsoft.com/office/drawing/2010/main" xmlns="" w="9525">
+                <a14:hiddenLine xmlns="" xmlns:a14="http://schemas.microsoft.com/office/drawing/2010/main" w="9525">
                   <a:solidFill>
                     <a:srgbClr val="000000"/>
                   </a:solidFill>
@@ -589,7 +604,7 @@
             </a:ln>
             <a:extLst>
               <a:ext uri="{91240B29-F687-4f45-9708-019B960494DF}">
-                <a14:hiddenLine xmlns:a14="http://schemas.microsoft.com/office/drawing/2010/main" xmlns="" w="9525">
+                <a14:hiddenLine xmlns="" xmlns:a14="http://schemas.microsoft.com/office/drawing/2010/main" w="9525">
                   <a:solidFill>
                     <a:srgbClr val="000000"/>
                   </a:solidFill>
@@ -651,7 +666,7 @@
             </a:ln>
             <a:extLst>
               <a:ext uri="{91240B29-F687-4f45-9708-019B960494DF}">
-                <a14:hiddenLine xmlns:a14="http://schemas.microsoft.com/office/drawing/2010/main" xmlns="" w="9525">
+                <a14:hiddenLine xmlns="" xmlns:a14="http://schemas.microsoft.com/office/drawing/2010/main" w="9525">
                   <a:solidFill>
                     <a:srgbClr val="000000"/>
                   </a:solidFill>
@@ -741,7 +756,7 @@
             </a:ln>
             <a:extLst>
               <a:ext uri="{91240B29-F687-4f45-9708-019B960494DF}">
-                <a14:hiddenLine xmlns:a14="http://schemas.microsoft.com/office/drawing/2010/main" xmlns="" w="9525">
+                <a14:hiddenLine xmlns="" xmlns:a14="http://schemas.microsoft.com/office/drawing/2010/main" w="9525">
                   <a:solidFill>
                     <a:srgbClr val="000000"/>
                   </a:solidFill>
@@ -803,7 +818,7 @@
             </a:ln>
             <a:extLst>
               <a:ext uri="{91240B29-F687-4f45-9708-019B960494DF}">
-                <a14:hiddenLine xmlns:a14="http://schemas.microsoft.com/office/drawing/2010/main" xmlns="" w="9525">
+                <a14:hiddenLine xmlns="" xmlns:a14="http://schemas.microsoft.com/office/drawing/2010/main" w="9525">
                   <a:solidFill>
                     <a:srgbClr val="000000"/>
                   </a:solidFill>
@@ -865,7 +880,7 @@
             </a:ln>
             <a:extLst>
               <a:ext uri="{91240B29-F687-4f45-9708-019B960494DF}">
-                <a14:hiddenLine xmlns:a14="http://schemas.microsoft.com/office/drawing/2010/main" xmlns="" w="9525">
+                <a14:hiddenLine xmlns="" xmlns:a14="http://schemas.microsoft.com/office/drawing/2010/main" w="9525">
                   <a:solidFill>
                     <a:srgbClr val="000000"/>
                   </a:solidFill>
@@ -955,7 +970,7 @@
             </a:ln>
             <a:extLst>
               <a:ext uri="{91240B29-F687-4f45-9708-019B960494DF}">
-                <a14:hiddenLine xmlns:a14="http://schemas.microsoft.com/office/drawing/2010/main" xmlns="" w="9525">
+                <a14:hiddenLine xmlns="" xmlns:a14="http://schemas.microsoft.com/office/drawing/2010/main" w="9525">
                   <a:solidFill>
                     <a:srgbClr val="000000"/>
                   </a:solidFill>
@@ -1045,7 +1060,7 @@
             </a:ln>
             <a:extLst>
               <a:ext uri="{91240B29-F687-4f45-9708-019B960494DF}">
-                <a14:hiddenLine xmlns:a14="http://schemas.microsoft.com/office/drawing/2010/main" xmlns="" w="9525">
+                <a14:hiddenLine xmlns="" xmlns:a14="http://schemas.microsoft.com/office/drawing/2010/main" w="9525">
                   <a:solidFill>
                     <a:srgbClr val="000000"/>
                   </a:solidFill>
@@ -1107,7 +1122,7 @@
             </a:ln>
             <a:extLst>
               <a:ext uri="{91240B29-F687-4f45-9708-019B960494DF}">
-                <a14:hiddenLine xmlns:a14="http://schemas.microsoft.com/office/drawing/2010/main" xmlns="" w="9525">
+                <a14:hiddenLine xmlns="" xmlns:a14="http://schemas.microsoft.com/office/drawing/2010/main" w="9525">
                   <a:solidFill>
                     <a:srgbClr val="000000"/>
                   </a:solidFill>
@@ -1217,7 +1232,7 @@
             </a:ln>
             <a:extLst>
               <a:ext uri="{91240B29-F687-4f45-9708-019B960494DF}">
-                <a14:hiddenLine xmlns:a14="http://schemas.microsoft.com/office/drawing/2010/main" xmlns="" w="9525">
+                <a14:hiddenLine xmlns="" xmlns:a14="http://schemas.microsoft.com/office/drawing/2010/main" w="9525">
                   <a:solidFill>
                     <a:srgbClr val="000000"/>
                   </a:solidFill>
@@ -1279,7 +1294,7 @@
             </a:ln>
             <a:extLst>
               <a:ext uri="{91240B29-F687-4f45-9708-019B960494DF}">
-                <a14:hiddenLine xmlns:a14="http://schemas.microsoft.com/office/drawing/2010/main" xmlns="" w="9525">
+                <a14:hiddenLine xmlns="" xmlns:a14="http://schemas.microsoft.com/office/drawing/2010/main" w="9525">
                   <a:solidFill>
                     <a:srgbClr val="000000"/>
                   </a:solidFill>
@@ -1369,7 +1384,7 @@
             </a:ln>
             <a:extLst>
               <a:ext uri="{91240B29-F687-4f45-9708-019B960494DF}">
-                <a14:hiddenLine xmlns:a14="http://schemas.microsoft.com/office/drawing/2010/main" xmlns="" w="9525">
+                <a14:hiddenLine xmlns="" xmlns:a14="http://schemas.microsoft.com/office/drawing/2010/main" w="9525">
                   <a:solidFill>
                     <a:srgbClr val="000000"/>
                   </a:solidFill>
@@ -1459,7 +1474,7 @@
             </a:ln>
             <a:extLst>
               <a:ext uri="{91240B29-F687-4f45-9708-019B960494DF}">
-                <a14:hiddenLine xmlns:a14="http://schemas.microsoft.com/office/drawing/2010/main" xmlns="" w="9525">
+                <a14:hiddenLine xmlns="" xmlns:a14="http://schemas.microsoft.com/office/drawing/2010/main" w="9525">
                   <a:solidFill>
                     <a:srgbClr val="000000"/>
                   </a:solidFill>
@@ -1521,7 +1536,7 @@
             </a:ln>
             <a:extLst>
               <a:ext uri="{91240B29-F687-4f45-9708-019B960494DF}">
-                <a14:hiddenLine xmlns:a14="http://schemas.microsoft.com/office/drawing/2010/main" xmlns="" w="9525">
+                <a14:hiddenLine xmlns="" xmlns:a14="http://schemas.microsoft.com/office/drawing/2010/main" w="9525">
                   <a:solidFill>
                     <a:srgbClr val="000000"/>
                   </a:solidFill>
@@ -1611,7 +1626,7 @@
             </a:ln>
             <a:extLst>
               <a:ext uri="{91240B29-F687-4f45-9708-019B960494DF}">
-                <a14:hiddenLine xmlns:a14="http://schemas.microsoft.com/office/drawing/2010/main" xmlns="" w="9525">
+                <a14:hiddenLine xmlns="" xmlns:a14="http://schemas.microsoft.com/office/drawing/2010/main" w="9525">
                   <a:solidFill>
                     <a:srgbClr val="000000"/>
                   </a:solidFill>
@@ -1701,7 +1716,7 @@
             </a:ln>
             <a:extLst>
               <a:ext uri="{91240B29-F687-4f45-9708-019B960494DF}">
-                <a14:hiddenLine xmlns:a14="http://schemas.microsoft.com/office/drawing/2010/main" xmlns="" w="9525">
+                <a14:hiddenLine xmlns="" xmlns:a14="http://schemas.microsoft.com/office/drawing/2010/main" w="9525">
                   <a:solidFill>
                     <a:srgbClr val="000000"/>
                   </a:solidFill>
@@ -1757,7 +1772,7 @@
             </a:ln>
             <a:extLst>
               <a:ext uri="{91240B29-F687-4f45-9708-019B960494DF}">
-                <a14:hiddenLine xmlns:a14="http://schemas.microsoft.com/office/drawing/2010/main" xmlns="" w="9525">
+                <a14:hiddenLine xmlns="" xmlns:a14="http://schemas.microsoft.com/office/drawing/2010/main" w="9525">
                   <a:solidFill>
                     <a:srgbClr val="000000"/>
                   </a:solidFill>
@@ -1847,7 +1862,7 @@
             </a:ln>
             <a:extLst>
               <a:ext uri="{91240B29-F687-4f45-9708-019B960494DF}">
-                <a14:hiddenLine xmlns:a14="http://schemas.microsoft.com/office/drawing/2010/main" xmlns="" w="9525">
+                <a14:hiddenLine xmlns="" xmlns:a14="http://schemas.microsoft.com/office/drawing/2010/main" w="9525">
                   <a:solidFill>
                     <a:srgbClr val="000000"/>
                   </a:solidFill>
@@ -1903,7 +1918,7 @@
             </a:ln>
             <a:extLst>
               <a:ext uri="{91240B29-F687-4f45-9708-019B960494DF}">
-                <a14:hiddenLine xmlns:a14="http://schemas.microsoft.com/office/drawing/2010/main" xmlns="" w="9525">
+                <a14:hiddenLine xmlns="" xmlns:a14="http://schemas.microsoft.com/office/drawing/2010/main" w="9525">
                   <a:solidFill>
                     <a:srgbClr val="000000"/>
                   </a:solidFill>
@@ -1993,7 +2008,7 @@
             </a:ln>
             <a:extLst>
               <a:ext uri="{91240B29-F687-4f45-9708-019B960494DF}">
-                <a14:hiddenLine xmlns:a14="http://schemas.microsoft.com/office/drawing/2010/main" xmlns="" w="9525">
+                <a14:hiddenLine xmlns="" xmlns:a14="http://schemas.microsoft.com/office/drawing/2010/main" w="9525">
                   <a:solidFill>
                     <a:srgbClr val="000000"/>
                   </a:solidFill>
@@ -2061,7 +2076,7 @@
             </a:ln>
             <a:extLst>
               <a:ext uri="{91240B29-F687-4f45-9708-019B960494DF}">
-                <a14:hiddenLine xmlns:a14="http://schemas.microsoft.com/office/drawing/2010/main" xmlns="" w="9525">
+                <a14:hiddenLine xmlns="" xmlns:a14="http://schemas.microsoft.com/office/drawing/2010/main" w="9525">
                   <a:solidFill>
                     <a:srgbClr val="000000"/>
                   </a:solidFill>
@@ -2151,7 +2166,7 @@
             </a:ln>
             <a:extLst>
               <a:ext uri="{91240B29-F687-4f45-9708-019B960494DF}">
-                <a14:hiddenLine xmlns:a14="http://schemas.microsoft.com/office/drawing/2010/main" xmlns="" w="9525">
+                <a14:hiddenLine xmlns="" xmlns:a14="http://schemas.microsoft.com/office/drawing/2010/main" w="9525">
                   <a:solidFill>
                     <a:srgbClr val="000000"/>
                   </a:solidFill>
@@ -2219,7 +2234,7 @@
             </a:ln>
             <a:extLst>
               <a:ext uri="{91240B29-F687-4f45-9708-019B960494DF}">
-                <a14:hiddenLine xmlns:a14="http://schemas.microsoft.com/office/drawing/2010/main" xmlns="" w="9525">
+                <a14:hiddenLine xmlns="" xmlns:a14="http://schemas.microsoft.com/office/drawing/2010/main" w="9525">
                   <a:solidFill>
                     <a:srgbClr val="000000"/>
                   </a:solidFill>
@@ -2309,7 +2324,7 @@
             </a:ln>
             <a:extLst>
               <a:ext uri="{91240B29-F687-4f45-9708-019B960494DF}">
-                <a14:hiddenLine xmlns:a14="http://schemas.microsoft.com/office/drawing/2010/main" xmlns="" w="9525">
+                <a14:hiddenLine xmlns="" xmlns:a14="http://schemas.microsoft.com/office/drawing/2010/main" w="9525">
                   <a:solidFill>
                     <a:srgbClr val="000000"/>
                   </a:solidFill>
@@ -2343,7 +2358,7 @@
             </a:ln>
             <a:extLst>
               <a:ext uri="{91240B29-F687-4f45-9708-019B960494DF}">
-                <a14:hiddenLine xmlns:a14="http://schemas.microsoft.com/office/drawing/2010/main" xmlns="" w="9525">
+                <a14:hiddenLine xmlns="" xmlns:a14="http://schemas.microsoft.com/office/drawing/2010/main" w="9525">
                   <a:solidFill>
                     <a:srgbClr val="000000"/>
                   </a:solidFill>
@@ -2433,7 +2448,7 @@
             </a:ln>
             <a:extLst>
               <a:ext uri="{91240B29-F687-4f45-9708-019B960494DF}">
-                <a14:hiddenLine xmlns:a14="http://schemas.microsoft.com/office/drawing/2010/main" xmlns="" w="9525">
+                <a14:hiddenLine xmlns="" xmlns:a14="http://schemas.microsoft.com/office/drawing/2010/main" w="9525">
                   <a:solidFill>
                     <a:srgbClr val="000000"/>
                   </a:solidFill>
@@ -2495,7 +2510,7 @@
             </a:ln>
             <a:extLst>
               <a:ext uri="{91240B29-F687-4f45-9708-019B960494DF}">
-                <a14:hiddenLine xmlns:a14="http://schemas.microsoft.com/office/drawing/2010/main" xmlns="" w="9525">
+                <a14:hiddenLine xmlns="" xmlns:a14="http://schemas.microsoft.com/office/drawing/2010/main" w="9525">
                   <a:solidFill>
                     <a:srgbClr val="000000"/>
                   </a:solidFill>
@@ -2557,7 +2572,7 @@
             </a:ln>
             <a:extLst>
               <a:ext uri="{91240B29-F687-4f45-9708-019B960494DF}">
-                <a14:hiddenLine xmlns:a14="http://schemas.microsoft.com/office/drawing/2010/main" xmlns="" w="9525">
+                <a14:hiddenLine xmlns="" xmlns:a14="http://schemas.microsoft.com/office/drawing/2010/main" w="9525">
                   <a:solidFill>
                     <a:srgbClr val="000000"/>
                   </a:solidFill>
@@ -2647,7 +2662,7 @@
             </a:ln>
             <a:extLst>
               <a:ext uri="{91240B29-F687-4f45-9708-019B960494DF}">
-                <a14:hiddenLine xmlns:a14="http://schemas.microsoft.com/office/drawing/2010/main" xmlns="" w="9525">
+                <a14:hiddenLine xmlns="" xmlns:a14="http://schemas.microsoft.com/office/drawing/2010/main" w="9525">
                   <a:solidFill>
                     <a:srgbClr val="000000"/>
                   </a:solidFill>
@@ -2715,7 +2730,7 @@
             </a:ln>
             <a:extLst>
               <a:ext uri="{91240B29-F687-4f45-9708-019B960494DF}">
-                <a14:hiddenLine xmlns:a14="http://schemas.microsoft.com/office/drawing/2010/main" xmlns="" w="9525">
+                <a14:hiddenLine xmlns="" xmlns:a14="http://schemas.microsoft.com/office/drawing/2010/main" w="9525">
                   <a:solidFill>
                     <a:srgbClr val="000000"/>
                   </a:solidFill>
@@ -2777,7 +2792,7 @@
             </a:ln>
             <a:extLst>
               <a:ext uri="{91240B29-F687-4f45-9708-019B960494DF}">
-                <a14:hiddenLine xmlns:a14="http://schemas.microsoft.com/office/drawing/2010/main" xmlns="" w="9525">
+                <a14:hiddenLine xmlns="" xmlns:a14="http://schemas.microsoft.com/office/drawing/2010/main" w="9525">
                   <a:solidFill>
                     <a:srgbClr val="000000"/>
                   </a:solidFill>
@@ -2867,7 +2882,7 @@
             </a:ln>
             <a:extLst>
               <a:ext uri="{91240B29-F687-4f45-9708-019B960494DF}">
-                <a14:hiddenLine xmlns:a14="http://schemas.microsoft.com/office/drawing/2010/main" xmlns="" w="9525">
+                <a14:hiddenLine xmlns="" xmlns:a14="http://schemas.microsoft.com/office/drawing/2010/main" w="9525">
                   <a:solidFill>
                     <a:srgbClr val="000000"/>
                   </a:solidFill>
@@ -2929,7 +2944,7 @@
             </a:ln>
             <a:extLst>
               <a:ext uri="{91240B29-F687-4f45-9708-019B960494DF}">
-                <a14:hiddenLine xmlns:a14="http://schemas.microsoft.com/office/drawing/2010/main" xmlns="" w="9525">
+                <a14:hiddenLine xmlns="" xmlns:a14="http://schemas.microsoft.com/office/drawing/2010/main" w="9525">
                   <a:solidFill>
                     <a:srgbClr val="000000"/>
                   </a:solidFill>
@@ -3019,7 +3034,7 @@
             </a:ln>
             <a:extLst>
               <a:ext uri="{91240B29-F687-4f45-9708-019B960494DF}">
-                <a14:hiddenLine xmlns:a14="http://schemas.microsoft.com/office/drawing/2010/main" xmlns="" w="9525">
+                <a14:hiddenLine xmlns="" xmlns:a14="http://schemas.microsoft.com/office/drawing/2010/main" w="9525">
                   <a:solidFill>
                     <a:srgbClr val="000000"/>
                   </a:solidFill>
@@ -3081,7 +3096,7 @@
             </a:ln>
             <a:extLst>
               <a:ext uri="{91240B29-F687-4f45-9708-019B960494DF}">
-                <a14:hiddenLine xmlns:a14="http://schemas.microsoft.com/office/drawing/2010/main" xmlns="" w="9525">
+                <a14:hiddenLine xmlns="" xmlns:a14="http://schemas.microsoft.com/office/drawing/2010/main" w="9525">
                   <a:solidFill>
                     <a:srgbClr val="000000"/>
                   </a:solidFill>
@@ -3171,7 +3186,7 @@
             </a:ln>
             <a:extLst>
               <a:ext uri="{91240B29-F687-4f45-9708-019B960494DF}">
-                <a14:hiddenLine xmlns:a14="http://schemas.microsoft.com/office/drawing/2010/main" xmlns="" w="9525">
+                <a14:hiddenLine xmlns="" xmlns:a14="http://schemas.microsoft.com/office/drawing/2010/main" w="9525">
                   <a:solidFill>
                     <a:srgbClr val="000000"/>
                   </a:solidFill>
@@ -3205,7 +3220,7 @@
             </a:ln>
             <a:extLst>
               <a:ext uri="{91240B29-F687-4f45-9708-019B960494DF}">
-                <a14:hiddenLine xmlns:a14="http://schemas.microsoft.com/office/drawing/2010/main" xmlns="" w="9525">
+                <a14:hiddenLine xmlns="" xmlns:a14="http://schemas.microsoft.com/office/drawing/2010/main" w="9525">
                   <a:solidFill>
                     <a:srgbClr val="000000"/>
                   </a:solidFill>
@@ -3270,7 +3285,7 @@
             </a:ln>
             <a:extLst>
               <a:ext uri="{91240B29-F687-4f45-9708-019B960494DF}">
-                <a14:hiddenLine xmlns:a14="http://schemas.microsoft.com/office/drawing/2010/main" xmlns="" w="9525">
+                <a14:hiddenLine xmlns="" xmlns:a14="http://schemas.microsoft.com/office/drawing/2010/main" w="9525">
                   <a:solidFill>
                     <a:srgbClr val="000000"/>
                   </a:solidFill>
@@ -3360,7 +3375,7 @@
             </a:ln>
             <a:extLst>
               <a:ext uri="{91240B29-F687-4f45-9708-019B960494DF}">
-                <a14:hiddenLine xmlns:a14="http://schemas.microsoft.com/office/drawing/2010/main" xmlns="" w="9525">
+                <a14:hiddenLine xmlns="" xmlns:a14="http://schemas.microsoft.com/office/drawing/2010/main" w="9525">
                   <a:solidFill>
                     <a:srgbClr val="000000"/>
                   </a:solidFill>
@@ -3422,7 +3437,7 @@
             </a:ln>
             <a:extLst>
               <a:ext uri="{91240B29-F687-4f45-9708-019B960494DF}">
-                <a14:hiddenLine xmlns:a14="http://schemas.microsoft.com/office/drawing/2010/main" xmlns="" w="9525">
+                <a14:hiddenLine xmlns="" xmlns:a14="http://schemas.microsoft.com/office/drawing/2010/main" w="9525">
                   <a:solidFill>
                     <a:srgbClr val="000000"/>
                   </a:solidFill>
@@ -3512,7 +3527,7 @@
             </a:ln>
             <a:extLst>
               <a:ext uri="{91240B29-F687-4f45-9708-019B960494DF}">
-                <a14:hiddenLine xmlns:a14="http://schemas.microsoft.com/office/drawing/2010/main" xmlns="" w="9525">
+                <a14:hiddenLine xmlns="" xmlns:a14="http://schemas.microsoft.com/office/drawing/2010/main" w="9525">
                   <a:solidFill>
                     <a:srgbClr val="000000"/>
                   </a:solidFill>
@@ -3602,7 +3617,7 @@
             </a:ln>
             <a:extLst>
               <a:ext uri="{91240B29-F687-4f45-9708-019B960494DF}">
-                <a14:hiddenLine xmlns:a14="http://schemas.microsoft.com/office/drawing/2010/main" xmlns="" w="9525">
+                <a14:hiddenLine xmlns="" xmlns:a14="http://schemas.microsoft.com/office/drawing/2010/main" w="9525">
                   <a:solidFill>
                     <a:srgbClr val="000000"/>
                   </a:solidFill>
@@ -3667,7 +3682,7 @@
             </a:ln>
             <a:extLst>
               <a:ext uri="{91240B29-F687-4f45-9708-019B960494DF}">
-                <a14:hiddenLine xmlns:a14="http://schemas.microsoft.com/office/drawing/2010/main" xmlns="" w="9525">
+                <a14:hiddenLine xmlns="" xmlns:a14="http://schemas.microsoft.com/office/drawing/2010/main" w="9525">
                   <a:solidFill>
                     <a:srgbClr val="000000"/>
                   </a:solidFill>
@@ -3729,7 +3744,7 @@
             </a:ln>
             <a:extLst>
               <a:ext uri="{91240B29-F687-4f45-9708-019B960494DF}">
-                <a14:hiddenLine xmlns:a14="http://schemas.microsoft.com/office/drawing/2010/main" xmlns="" w="9525">
+                <a14:hiddenLine xmlns="" xmlns:a14="http://schemas.microsoft.com/office/drawing/2010/main" w="9525">
                   <a:solidFill>
                     <a:srgbClr val="000000"/>
                   </a:solidFill>
@@ -3819,7 +3834,7 @@
             </a:ln>
             <a:extLst>
               <a:ext uri="{91240B29-F687-4f45-9708-019B960494DF}">
-                <a14:hiddenLine xmlns:a14="http://schemas.microsoft.com/office/drawing/2010/main" xmlns="" w="9525">
+                <a14:hiddenLine xmlns="" xmlns:a14="http://schemas.microsoft.com/office/drawing/2010/main" w="9525">
                   <a:solidFill>
                     <a:srgbClr val="000000"/>
                   </a:solidFill>
@@ -3909,7 +3924,7 @@
             </a:ln>
             <a:extLst>
               <a:ext uri="{91240B29-F687-4f45-9708-019B960494DF}">
-                <a14:hiddenLine xmlns:a14="http://schemas.microsoft.com/office/drawing/2010/main" xmlns="" w="9525">
+                <a14:hiddenLine xmlns="" xmlns:a14="http://schemas.microsoft.com/office/drawing/2010/main" w="9525">
                   <a:solidFill>
                     <a:srgbClr val="000000"/>
                   </a:solidFill>
@@ -3971,7 +3986,7 @@
             </a:ln>
             <a:extLst>
               <a:ext uri="{91240B29-F687-4f45-9708-019B960494DF}">
-                <a14:hiddenLine xmlns:a14="http://schemas.microsoft.com/office/drawing/2010/main" xmlns="" w="9525">
+                <a14:hiddenLine xmlns="" xmlns:a14="http://schemas.microsoft.com/office/drawing/2010/main" w="9525">
                   <a:solidFill>
                     <a:srgbClr val="000000"/>
                   </a:solidFill>
@@ -4091,7 +4106,7 @@
             </a:ln>
             <a:extLst>
               <a:ext uri="{91240B29-F687-4f45-9708-019B960494DF}">
-                <a14:hiddenLine xmlns:a14="http://schemas.microsoft.com/office/drawing/2010/main" xmlns="" w="9525">
+                <a14:hiddenLine xmlns="" xmlns:a14="http://schemas.microsoft.com/office/drawing/2010/main" w="9525">
                   <a:solidFill>
                     <a:srgbClr val="000000"/>
                   </a:solidFill>
@@ -4159,7 +4174,7 @@
             </a:ln>
             <a:extLst>
               <a:ext uri="{91240B29-F687-4f45-9708-019B960494DF}">
-                <a14:hiddenLine xmlns:a14="http://schemas.microsoft.com/office/drawing/2010/main" xmlns="" w="9525">
+                <a14:hiddenLine xmlns="" xmlns:a14="http://schemas.microsoft.com/office/drawing/2010/main" w="9525">
                   <a:solidFill>
                     <a:srgbClr val="000000"/>
                   </a:solidFill>
@@ -4249,7 +4264,7 @@
             </a:ln>
             <a:extLst>
               <a:ext uri="{91240B29-F687-4f45-9708-019B960494DF}">
-                <a14:hiddenLine xmlns:a14="http://schemas.microsoft.com/office/drawing/2010/main" xmlns="" w="9525">
+                <a14:hiddenLine xmlns="" xmlns:a14="http://schemas.microsoft.com/office/drawing/2010/main" w="9525">
                   <a:solidFill>
                     <a:srgbClr val="000000"/>
                   </a:solidFill>
@@ -4389,7 +4404,7 @@
           <a:p>
             <a:fld id="{78B759E1-093E-4F24-A648-3E5DBDD69D62}" type="datetimeFigureOut">
               <a:rPr lang="ru-RU" smtClean="0"/>
-              <a:t>14.05.2025</a:t>
+              <a:t>15.05.2025</a:t>
             </a:fld>
             <a:endParaRPr lang="ru-RU"/>
           </a:p>
@@ -4656,7 +4671,7 @@
           <a:p>
             <a:fld id="{78B759E1-093E-4F24-A648-3E5DBDD69D62}" type="datetimeFigureOut">
               <a:rPr lang="ru-RU" smtClean="0"/>
-              <a:t>14.05.2025</a:t>
+              <a:t>15.05.2025</a:t>
             </a:fld>
             <a:endParaRPr lang="ru-RU"/>
           </a:p>
@@ -4852,7 +4867,7 @@
           <a:p>
             <a:fld id="{78B759E1-093E-4F24-A648-3E5DBDD69D62}" type="datetimeFigureOut">
               <a:rPr lang="ru-RU" smtClean="0"/>
-              <a:t>14.05.2025</a:t>
+              <a:t>15.05.2025</a:t>
             </a:fld>
             <a:endParaRPr lang="ru-RU"/>
           </a:p>
@@ -5115,7 +5130,7 @@
           <a:p>
             <a:fld id="{78B759E1-093E-4F24-A648-3E5DBDD69D62}" type="datetimeFigureOut">
               <a:rPr lang="ru-RU" smtClean="0"/>
-              <a:t>14.05.2025</a:t>
+              <a:t>15.05.2025</a:t>
             </a:fld>
             <a:endParaRPr lang="ru-RU"/>
           </a:p>
@@ -5549,7 +5564,7 @@
           <a:p>
             <a:fld id="{78B759E1-093E-4F24-A648-3E5DBDD69D62}" type="datetimeFigureOut">
               <a:rPr lang="ru-RU" smtClean="0"/>
-              <a:t>14.05.2025</a:t>
+              <a:t>15.05.2025</a:t>
             </a:fld>
             <a:endParaRPr lang="ru-RU"/>
           </a:p>
@@ -6095,7 +6110,7 @@
           <a:p>
             <a:fld id="{78B759E1-093E-4F24-A648-3E5DBDD69D62}" type="datetimeFigureOut">
               <a:rPr lang="ru-RU" smtClean="0"/>
-              <a:t>14.05.2025</a:t>
+              <a:t>15.05.2025</a:t>
             </a:fld>
             <a:endParaRPr lang="ru-RU"/>
           </a:p>
@@ -6815,7 +6830,7 @@
           <a:p>
             <a:fld id="{78B759E1-093E-4F24-A648-3E5DBDD69D62}" type="datetimeFigureOut">
               <a:rPr lang="ru-RU" smtClean="0"/>
-              <a:t>14.05.2025</a:t>
+              <a:t>15.05.2025</a:t>
             </a:fld>
             <a:endParaRPr lang="ru-RU"/>
           </a:p>
@@ -6985,7 +7000,7 @@
           <a:p>
             <a:fld id="{78B759E1-093E-4F24-A648-3E5DBDD69D62}" type="datetimeFigureOut">
               <a:rPr lang="ru-RU" smtClean="0"/>
-              <a:t>14.05.2025</a:t>
+              <a:t>15.05.2025</a:t>
             </a:fld>
             <a:endParaRPr lang="ru-RU"/>
           </a:p>
@@ -7165,7 +7180,7 @@
           <a:p>
             <a:fld id="{78B759E1-093E-4F24-A648-3E5DBDD69D62}" type="datetimeFigureOut">
               <a:rPr lang="ru-RU" smtClean="0"/>
-              <a:t>14.05.2025</a:t>
+              <a:t>15.05.2025</a:t>
             </a:fld>
             <a:endParaRPr lang="ru-RU"/>
           </a:p>
@@ -7335,7 +7350,7 @@
           <a:p>
             <a:fld id="{78B759E1-093E-4F24-A648-3E5DBDD69D62}" type="datetimeFigureOut">
               <a:rPr lang="ru-RU" smtClean="0"/>
-              <a:t>14.05.2025</a:t>
+              <a:t>15.05.2025</a:t>
             </a:fld>
             <a:endParaRPr lang="ru-RU"/>
           </a:p>
@@ -7585,7 +7600,7 @@
           <a:p>
             <a:fld id="{78B759E1-093E-4F24-A648-3E5DBDD69D62}" type="datetimeFigureOut">
               <a:rPr lang="ru-RU" smtClean="0"/>
-              <a:t>14.05.2025</a:t>
+              <a:t>15.05.2025</a:t>
             </a:fld>
             <a:endParaRPr lang="ru-RU"/>
           </a:p>
@@ -7817,7 +7832,7 @@
           <a:p>
             <a:fld id="{78B759E1-093E-4F24-A648-3E5DBDD69D62}" type="datetimeFigureOut">
               <a:rPr lang="ru-RU" smtClean="0"/>
-              <a:t>14.05.2025</a:t>
+              <a:t>15.05.2025</a:t>
             </a:fld>
             <a:endParaRPr lang="ru-RU"/>
           </a:p>
@@ -8198,7 +8213,7 @@
           <a:p>
             <a:fld id="{78B759E1-093E-4F24-A648-3E5DBDD69D62}" type="datetimeFigureOut">
               <a:rPr lang="ru-RU" smtClean="0"/>
-              <a:t>14.05.2025</a:t>
+              <a:t>15.05.2025</a:t>
             </a:fld>
             <a:endParaRPr lang="ru-RU"/>
           </a:p>
@@ -8316,7 +8331,7 @@
           <a:p>
             <a:fld id="{78B759E1-093E-4F24-A648-3E5DBDD69D62}" type="datetimeFigureOut">
               <a:rPr lang="ru-RU" smtClean="0"/>
-              <a:t>14.05.2025</a:t>
+              <a:t>15.05.2025</a:t>
             </a:fld>
             <a:endParaRPr lang="ru-RU"/>
           </a:p>
@@ -8411,7 +8426,7 @@
           <a:p>
             <a:fld id="{78B759E1-093E-4F24-A648-3E5DBDD69D62}" type="datetimeFigureOut">
               <a:rPr lang="ru-RU" smtClean="0"/>
-              <a:t>14.05.2025</a:t>
+              <a:t>15.05.2025</a:t>
             </a:fld>
             <a:endParaRPr lang="ru-RU"/>
           </a:p>
@@ -8660,7 +8675,7 @@
           <a:p>
             <a:fld id="{78B759E1-093E-4F24-A648-3E5DBDD69D62}" type="datetimeFigureOut">
               <a:rPr lang="ru-RU" smtClean="0"/>
-              <a:t>14.05.2025</a:t>
+              <a:t>15.05.2025</a:t>
             </a:fld>
             <a:endParaRPr lang="ru-RU"/>
           </a:p>
@@ -8940,7 +8955,7 @@
           <a:p>
             <a:fld id="{78B759E1-093E-4F24-A648-3E5DBDD69D62}" type="datetimeFigureOut">
               <a:rPr lang="ru-RU" smtClean="0"/>
-              <a:t>14.05.2025</a:t>
+              <a:t>15.05.2025</a:t>
             </a:fld>
             <a:endParaRPr lang="ru-RU"/>
           </a:p>
@@ -9063,7 +9078,7 @@
           <a:noFill/>
           <a:extLst>
             <a:ext uri="{909E8E84-426E-40dd-AFC4-6F175D3DCCD1}">
-              <a14:hiddenFill xmlns:a14="http://schemas.microsoft.com/office/drawing/2010/main" xmlns="">
+              <a14:hiddenFill xmlns="" xmlns:a14="http://schemas.microsoft.com/office/drawing/2010/main">
                 <a:solidFill>
                   <a:srgbClr val="FFFFFF"/>
                 </a:solidFill>
@@ -9137,7 +9152,7 @@
               </a:ln>
               <a:extLst>
                 <a:ext uri="{91240B29-F687-4f45-9708-019B960494DF}">
-                  <a14:hiddenLine xmlns:a14="http://schemas.microsoft.com/office/drawing/2010/main" xmlns="" w="9525">
+                  <a14:hiddenLine xmlns="" xmlns:a14="http://schemas.microsoft.com/office/drawing/2010/main" w="9525">
                     <a:solidFill>
                       <a:srgbClr val="000000"/>
                     </a:solidFill>
@@ -9227,7 +9242,7 @@
               </a:ln>
               <a:extLst>
                 <a:ext uri="{91240B29-F687-4f45-9708-019B960494DF}">
-                  <a14:hiddenLine xmlns:a14="http://schemas.microsoft.com/office/drawing/2010/main" xmlns="" w="9525">
+                  <a14:hiddenLine xmlns="" xmlns:a14="http://schemas.microsoft.com/office/drawing/2010/main" w="9525">
                     <a:solidFill>
                       <a:srgbClr val="000000"/>
                     </a:solidFill>
@@ -9317,7 +9332,7 @@
               </a:ln>
               <a:extLst>
                 <a:ext uri="{91240B29-F687-4f45-9708-019B960494DF}">
-                  <a14:hiddenLine xmlns:a14="http://schemas.microsoft.com/office/drawing/2010/main" xmlns="" w="9525">
+                  <a14:hiddenLine xmlns="" xmlns:a14="http://schemas.microsoft.com/office/drawing/2010/main" w="9525">
                     <a:solidFill>
                       <a:srgbClr val="000000"/>
                     </a:solidFill>
@@ -9379,7 +9394,7 @@
               </a:ln>
               <a:extLst>
                 <a:ext uri="{91240B29-F687-4f45-9708-019B960494DF}">
-                  <a14:hiddenLine xmlns:a14="http://schemas.microsoft.com/office/drawing/2010/main" xmlns="" w="9525">
+                  <a14:hiddenLine xmlns="" xmlns:a14="http://schemas.microsoft.com/office/drawing/2010/main" w="9525">
                     <a:solidFill>
                       <a:srgbClr val="000000"/>
                     </a:solidFill>
@@ -9469,7 +9484,7 @@
               </a:ln>
               <a:extLst>
                 <a:ext uri="{91240B29-F687-4f45-9708-019B960494DF}">
-                  <a14:hiddenLine xmlns:a14="http://schemas.microsoft.com/office/drawing/2010/main" xmlns="" w="9525">
+                  <a14:hiddenLine xmlns="" xmlns:a14="http://schemas.microsoft.com/office/drawing/2010/main" w="9525">
                     <a:solidFill>
                       <a:srgbClr val="000000"/>
                     </a:solidFill>
@@ -9531,7 +9546,7 @@
               </a:ln>
               <a:extLst>
                 <a:ext uri="{91240B29-F687-4f45-9708-019B960494DF}">
-                  <a14:hiddenLine xmlns:a14="http://schemas.microsoft.com/office/drawing/2010/main" xmlns="" w="9525">
+                  <a14:hiddenLine xmlns="" xmlns:a14="http://schemas.microsoft.com/office/drawing/2010/main" w="9525">
                     <a:solidFill>
                       <a:srgbClr val="000000"/>
                     </a:solidFill>
@@ -9593,7 +9608,7 @@
               </a:ln>
               <a:extLst>
                 <a:ext uri="{91240B29-F687-4f45-9708-019B960494DF}">
-                  <a14:hiddenLine xmlns:a14="http://schemas.microsoft.com/office/drawing/2010/main" xmlns="" w="9525">
+                  <a14:hiddenLine xmlns="" xmlns:a14="http://schemas.microsoft.com/office/drawing/2010/main" w="9525">
                     <a:solidFill>
                       <a:srgbClr val="000000"/>
                     </a:solidFill>
@@ -9683,7 +9698,7 @@
               </a:ln>
               <a:extLst>
                 <a:ext uri="{91240B29-F687-4f45-9708-019B960494DF}">
-                  <a14:hiddenLine xmlns:a14="http://schemas.microsoft.com/office/drawing/2010/main" xmlns="" w="9525">
+                  <a14:hiddenLine xmlns="" xmlns:a14="http://schemas.microsoft.com/office/drawing/2010/main" w="9525">
                     <a:solidFill>
                       <a:srgbClr val="000000"/>
                     </a:solidFill>
@@ -9773,7 +9788,7 @@
               </a:ln>
               <a:extLst>
                 <a:ext uri="{91240B29-F687-4f45-9708-019B960494DF}">
-                  <a14:hiddenLine xmlns:a14="http://schemas.microsoft.com/office/drawing/2010/main" xmlns="" w="9525">
+                  <a14:hiddenLine xmlns="" xmlns:a14="http://schemas.microsoft.com/office/drawing/2010/main" w="9525">
                     <a:solidFill>
                       <a:srgbClr val="000000"/>
                     </a:solidFill>
@@ -9835,7 +9850,7 @@
               </a:ln>
               <a:extLst>
                 <a:ext uri="{91240B29-F687-4f45-9708-019B960494DF}">
-                  <a14:hiddenLine xmlns:a14="http://schemas.microsoft.com/office/drawing/2010/main" xmlns="" w="9525">
+                  <a14:hiddenLine xmlns="" xmlns:a14="http://schemas.microsoft.com/office/drawing/2010/main" w="9525">
                     <a:solidFill>
                       <a:srgbClr val="000000"/>
                     </a:solidFill>
@@ -9945,7 +9960,7 @@
               </a:ln>
               <a:extLst>
                 <a:ext uri="{91240B29-F687-4f45-9708-019B960494DF}">
-                  <a14:hiddenLine xmlns:a14="http://schemas.microsoft.com/office/drawing/2010/main" xmlns="" w="9525">
+                  <a14:hiddenLine xmlns="" xmlns:a14="http://schemas.microsoft.com/office/drawing/2010/main" w="9525">
                     <a:solidFill>
                       <a:srgbClr val="000000"/>
                     </a:solidFill>
@@ -10029,7 +10044,7 @@
               </a:ln>
               <a:extLst>
                 <a:ext uri="{91240B29-F687-4f45-9708-019B960494DF}">
-                  <a14:hiddenLine xmlns:a14="http://schemas.microsoft.com/office/drawing/2010/main" xmlns="" w="9525">
+                  <a14:hiddenLine xmlns="" xmlns:a14="http://schemas.microsoft.com/office/drawing/2010/main" w="9525">
                     <a:solidFill>
                       <a:srgbClr val="000000"/>
                     </a:solidFill>
@@ -10091,7 +10106,7 @@
               </a:ln>
               <a:extLst>
                 <a:ext uri="{91240B29-F687-4f45-9708-019B960494DF}">
-                  <a14:hiddenLine xmlns:a14="http://schemas.microsoft.com/office/drawing/2010/main" xmlns="" w="9525">
+                  <a14:hiddenLine xmlns="" xmlns:a14="http://schemas.microsoft.com/office/drawing/2010/main" w="9525">
                     <a:solidFill>
                       <a:srgbClr val="000000"/>
                     </a:solidFill>
@@ -10153,7 +10168,7 @@
               </a:ln>
               <a:extLst>
                 <a:ext uri="{91240B29-F687-4f45-9708-019B960494DF}">
-                  <a14:hiddenLine xmlns:a14="http://schemas.microsoft.com/office/drawing/2010/main" xmlns="" w="9525">
+                  <a14:hiddenLine xmlns="" xmlns:a14="http://schemas.microsoft.com/office/drawing/2010/main" w="9525">
                     <a:solidFill>
                       <a:srgbClr val="000000"/>
                     </a:solidFill>
@@ -10243,7 +10258,7 @@
               </a:ln>
               <a:extLst>
                 <a:ext uri="{91240B29-F687-4f45-9708-019B960494DF}">
-                  <a14:hiddenLine xmlns:a14="http://schemas.microsoft.com/office/drawing/2010/main" xmlns="" w="9525">
+                  <a14:hiddenLine xmlns="" xmlns:a14="http://schemas.microsoft.com/office/drawing/2010/main" w="9525">
                     <a:solidFill>
                       <a:srgbClr val="000000"/>
                     </a:solidFill>
@@ -10277,7 +10292,7 @@
               </a:ln>
               <a:extLst>
                 <a:ext uri="{91240B29-F687-4f45-9708-019B960494DF}">
-                  <a14:hiddenLine xmlns:a14="http://schemas.microsoft.com/office/drawing/2010/main" xmlns="" w="9525">
+                  <a14:hiddenLine xmlns="" xmlns:a14="http://schemas.microsoft.com/office/drawing/2010/main" w="9525">
                     <a:solidFill>
                       <a:srgbClr val="000000"/>
                     </a:solidFill>
@@ -10342,7 +10357,7 @@
               </a:ln>
               <a:extLst>
                 <a:ext uri="{91240B29-F687-4f45-9708-019B960494DF}">
-                  <a14:hiddenLine xmlns:a14="http://schemas.microsoft.com/office/drawing/2010/main" xmlns="" w="9525">
+                  <a14:hiddenLine xmlns="" xmlns:a14="http://schemas.microsoft.com/office/drawing/2010/main" w="9525">
                     <a:solidFill>
                       <a:srgbClr val="000000"/>
                     </a:solidFill>
@@ -10432,7 +10447,7 @@
               </a:ln>
               <a:extLst>
                 <a:ext uri="{91240B29-F687-4f45-9708-019B960494DF}">
-                  <a14:hiddenLine xmlns:a14="http://schemas.microsoft.com/office/drawing/2010/main" xmlns="" w="9525">
+                  <a14:hiddenLine xmlns="" xmlns:a14="http://schemas.microsoft.com/office/drawing/2010/main" w="9525">
                     <a:solidFill>
                       <a:srgbClr val="000000"/>
                     </a:solidFill>
@@ -10494,7 +10509,7 @@
               </a:ln>
               <a:extLst>
                 <a:ext uri="{91240B29-F687-4f45-9708-019B960494DF}">
-                  <a14:hiddenLine xmlns:a14="http://schemas.microsoft.com/office/drawing/2010/main" xmlns="" w="9525">
+                  <a14:hiddenLine xmlns="" xmlns:a14="http://schemas.microsoft.com/office/drawing/2010/main" w="9525">
                     <a:solidFill>
                       <a:srgbClr val="000000"/>
                     </a:solidFill>
@@ -10584,7 +10599,7 @@
               </a:ln>
               <a:extLst>
                 <a:ext uri="{91240B29-F687-4f45-9708-019B960494DF}">
-                  <a14:hiddenLine xmlns:a14="http://schemas.microsoft.com/office/drawing/2010/main" xmlns="" w="9525">
+                  <a14:hiddenLine xmlns="" xmlns:a14="http://schemas.microsoft.com/office/drawing/2010/main" w="9525">
                     <a:solidFill>
                       <a:srgbClr val="000000"/>
                     </a:solidFill>
@@ -10649,7 +10664,7 @@
               </a:ln>
               <a:extLst>
                 <a:ext uri="{91240B29-F687-4f45-9708-019B960494DF}">
-                  <a14:hiddenLine xmlns:a14="http://schemas.microsoft.com/office/drawing/2010/main" xmlns="" w="9525">
+                  <a14:hiddenLine xmlns="" xmlns:a14="http://schemas.microsoft.com/office/drawing/2010/main" w="9525">
                     <a:solidFill>
                       <a:srgbClr val="000000"/>
                     </a:solidFill>
@@ -10711,7 +10726,7 @@
               </a:ln>
               <a:extLst>
                 <a:ext uri="{91240B29-F687-4f45-9708-019B960494DF}">
-                  <a14:hiddenLine xmlns:a14="http://schemas.microsoft.com/office/drawing/2010/main" xmlns="" w="9525">
+                  <a14:hiddenLine xmlns="" xmlns:a14="http://schemas.microsoft.com/office/drawing/2010/main" w="9525">
                     <a:solidFill>
                       <a:srgbClr val="000000"/>
                     </a:solidFill>
@@ -10801,7 +10816,7 @@
               </a:ln>
               <a:extLst>
                 <a:ext uri="{91240B29-F687-4f45-9708-019B960494DF}">
-                  <a14:hiddenLine xmlns:a14="http://schemas.microsoft.com/office/drawing/2010/main" xmlns="" w="9525">
+                  <a14:hiddenLine xmlns="" xmlns:a14="http://schemas.microsoft.com/office/drawing/2010/main" w="9525">
                     <a:solidFill>
                       <a:srgbClr val="000000"/>
                     </a:solidFill>
@@ -10891,7 +10906,7 @@
               </a:ln>
               <a:extLst>
                 <a:ext uri="{91240B29-F687-4f45-9708-019B960494DF}">
-                  <a14:hiddenLine xmlns:a14="http://schemas.microsoft.com/office/drawing/2010/main" xmlns="" w="9525">
+                  <a14:hiddenLine xmlns="" xmlns:a14="http://schemas.microsoft.com/office/drawing/2010/main" w="9525">
                     <a:solidFill>
                       <a:srgbClr val="000000"/>
                     </a:solidFill>
@@ -10956,7 +10971,7 @@
               </a:ln>
               <a:extLst>
                 <a:ext uri="{91240B29-F687-4f45-9708-019B960494DF}">
-                  <a14:hiddenLine xmlns:a14="http://schemas.microsoft.com/office/drawing/2010/main" xmlns="" w="9525">
+                  <a14:hiddenLine xmlns="" xmlns:a14="http://schemas.microsoft.com/office/drawing/2010/main" w="9525">
                     <a:solidFill>
                       <a:srgbClr val="000000"/>
                     </a:solidFill>
@@ -11076,7 +11091,7 @@
               </a:ln>
               <a:extLst>
                 <a:ext uri="{91240B29-F687-4f45-9708-019B960494DF}">
-                  <a14:hiddenLine xmlns:a14="http://schemas.microsoft.com/office/drawing/2010/main" xmlns="" w="9525">
+                  <a14:hiddenLine xmlns="" xmlns:a14="http://schemas.microsoft.com/office/drawing/2010/main" w="9525">
                     <a:solidFill>
                       <a:srgbClr val="000000"/>
                     </a:solidFill>
@@ -11157,7 +11172,7 @@
               </a:ln>
               <a:extLst>
                 <a:ext uri="{91240B29-F687-4f45-9708-019B960494DF}">
-                  <a14:hiddenLine xmlns:a14="http://schemas.microsoft.com/office/drawing/2010/main" xmlns="" w="9525">
+                  <a14:hiddenLine xmlns="" xmlns:a14="http://schemas.microsoft.com/office/drawing/2010/main" w="9525">
                     <a:solidFill>
                       <a:srgbClr val="000000"/>
                     </a:solidFill>
@@ -11272,7 +11287,7 @@
               </a:ln>
               <a:extLst>
                 <a:ext uri="{91240B29-F687-4f45-9708-019B960494DF}">
-                  <a14:hiddenLine xmlns:a14="http://schemas.microsoft.com/office/drawing/2010/main" xmlns="" w="9525">
+                  <a14:hiddenLine xmlns="" xmlns:a14="http://schemas.microsoft.com/office/drawing/2010/main" w="9525">
                     <a:solidFill>
                       <a:srgbClr val="000000"/>
                     </a:solidFill>
@@ -11362,7 +11377,7 @@
               </a:ln>
               <a:extLst>
                 <a:ext uri="{91240B29-F687-4f45-9708-019B960494DF}">
-                  <a14:hiddenLine xmlns:a14="http://schemas.microsoft.com/office/drawing/2010/main" xmlns="" w="9525">
+                  <a14:hiddenLine xmlns="" xmlns:a14="http://schemas.microsoft.com/office/drawing/2010/main" w="9525">
                     <a:solidFill>
                       <a:srgbClr val="000000"/>
                     </a:solidFill>
@@ -11427,7 +11442,7 @@
               </a:ln>
               <a:extLst>
                 <a:ext uri="{91240B29-F687-4f45-9708-019B960494DF}">
-                  <a14:hiddenLine xmlns:a14="http://schemas.microsoft.com/office/drawing/2010/main" xmlns="" w="9525">
+                  <a14:hiddenLine xmlns="" xmlns:a14="http://schemas.microsoft.com/office/drawing/2010/main" w="9525">
                     <a:solidFill>
                       <a:srgbClr val="000000"/>
                     </a:solidFill>
@@ -11517,7 +11532,7 @@
               </a:ln>
               <a:extLst>
                 <a:ext uri="{91240B29-F687-4f45-9708-019B960494DF}">
-                  <a14:hiddenLine xmlns:a14="http://schemas.microsoft.com/office/drawing/2010/main" xmlns="" w="9525">
+                  <a14:hiddenLine xmlns="" xmlns:a14="http://schemas.microsoft.com/office/drawing/2010/main" w="9525">
                     <a:solidFill>
                       <a:srgbClr val="000000"/>
                     </a:solidFill>
@@ -11585,7 +11600,7 @@
               </a:ln>
               <a:extLst>
                 <a:ext uri="{91240B29-F687-4f45-9708-019B960494DF}">
-                  <a14:hiddenLine xmlns:a14="http://schemas.microsoft.com/office/drawing/2010/main" xmlns="" w="9525">
+                  <a14:hiddenLine xmlns="" xmlns:a14="http://schemas.microsoft.com/office/drawing/2010/main" w="9525">
                     <a:solidFill>
                       <a:srgbClr val="000000"/>
                     </a:solidFill>
@@ -11675,7 +11690,7 @@
               </a:ln>
               <a:extLst>
                 <a:ext uri="{91240B29-F687-4f45-9708-019B960494DF}">
-                  <a14:hiddenLine xmlns:a14="http://schemas.microsoft.com/office/drawing/2010/main" xmlns="" w="9525">
+                  <a14:hiddenLine xmlns="" xmlns:a14="http://schemas.microsoft.com/office/drawing/2010/main" w="9525">
                     <a:solidFill>
                       <a:srgbClr val="000000"/>
                     </a:solidFill>
@@ -11743,7 +11758,7 @@
               </a:ln>
               <a:extLst>
                 <a:ext uri="{91240B29-F687-4f45-9708-019B960494DF}">
-                  <a14:hiddenLine xmlns:a14="http://schemas.microsoft.com/office/drawing/2010/main" xmlns="" w="9525">
+                  <a14:hiddenLine xmlns="" xmlns:a14="http://schemas.microsoft.com/office/drawing/2010/main" w="9525">
                     <a:solidFill>
                       <a:srgbClr val="000000"/>
                     </a:solidFill>
@@ -11833,7 +11848,7 @@
               </a:ln>
               <a:extLst>
                 <a:ext uri="{91240B29-F687-4f45-9708-019B960494DF}">
-                  <a14:hiddenLine xmlns:a14="http://schemas.microsoft.com/office/drawing/2010/main" xmlns="" w="9525">
+                  <a14:hiddenLine xmlns="" xmlns:a14="http://schemas.microsoft.com/office/drawing/2010/main" w="9525">
                     <a:solidFill>
                       <a:srgbClr val="000000"/>
                     </a:solidFill>
@@ -11867,7 +11882,7 @@
               </a:ln>
               <a:extLst>
                 <a:ext uri="{91240B29-F687-4f45-9708-019B960494DF}">
-                  <a14:hiddenLine xmlns:a14="http://schemas.microsoft.com/office/drawing/2010/main" xmlns="" w="9525">
+                  <a14:hiddenLine xmlns="" xmlns:a14="http://schemas.microsoft.com/office/drawing/2010/main" w="9525">
                     <a:solidFill>
                       <a:srgbClr val="000000"/>
                     </a:solidFill>
@@ -12007,7 +12022,7 @@
           <a:p>
             <a:fld id="{78B759E1-093E-4F24-A648-3E5DBDD69D62}" type="datetimeFigureOut">
               <a:rPr lang="ru-RU" smtClean="0"/>
-              <a:t>14.05.2025</a:t>
+              <a:t>15.05.2025</a:t>
             </a:fld>
             <a:endParaRPr lang="ru-RU"/>
           </a:p>
@@ -12448,114 +12463,57 @@
             <p:ph type="ctrTitle"/>
           </p:nvPr>
         </p:nvSpPr>
-        <p:spPr/>
+        <p:spPr>
+          <a:xfrm>
+            <a:off x="1300939" y="2019867"/>
+            <a:ext cx="9942537" cy="1338443"/>
+          </a:xfrm>
+        </p:spPr>
         <p:txBody>
           <a:bodyPr>
             <a:noAutofit/>
           </a:bodyPr>
           <a:lstStyle/>
           <a:p>
-            <a:r>
-              <a:rPr lang="ru-RU" sz="2400" b="1" dirty="0">
-                <a:solidFill>
-                  <a:schemeClr val="bg1"/>
-                </a:solidFill>
-                <a:effectLst/>
+            <a:pPr algn="ctr"/>
+            <a:r>
+              <a:rPr lang="ru-RU" sz="2400" dirty="0" smtClean="0">
                 <a:latin typeface="Arial Black" panose="020B0A04020102020204" pitchFamily="34" charset="0"/>
-                <a:ea typeface="Times New Roman" panose="02020603050405020304" pitchFamily="18" charset="0"/>
               </a:rPr>
-              <a:t>Индивидуальный проект по теме:</a:t>
-            </a:r>
-            <a:br>
-              <a:rPr lang="ru-RU" sz="2400" b="1" dirty="0">
-                <a:solidFill>
-                  <a:schemeClr val="bg1"/>
-                </a:solidFill>
-                <a:effectLst/>
+              <a:t>Разработка </a:t>
+            </a:r>
+            <a:r>
+              <a:rPr lang="ru-RU" sz="2400" dirty="0">
                 <a:latin typeface="Arial Black" panose="020B0A04020102020204" pitchFamily="34" charset="0"/>
-                <a:ea typeface="Times New Roman" panose="02020603050405020304" pitchFamily="18" charset="0"/>
               </a:rPr>
-            </a:br>
-            <a:r>
-              <a:rPr lang="ru-RU" sz="2400" b="1" dirty="0">
-                <a:solidFill>
-                  <a:schemeClr val="bg1"/>
-                </a:solidFill>
-                <a:effectLst/>
+              <a:t>приложения для работы с формулами – «</a:t>
+            </a:r>
+            <a:r>
+              <a:rPr lang="ru-RU" sz="2400" dirty="0" err="1">
                 <a:latin typeface="Arial Black" panose="020B0A04020102020204" pitchFamily="34" charset="0"/>
-                <a:ea typeface="Times New Roman" panose="02020603050405020304" pitchFamily="18" charset="0"/>
               </a:rPr>
-              <a:t>«Создание компьютерной игры на языке программирования </a:t>
-            </a:r>
-            <a:r>
-              <a:rPr lang="en-US" sz="2400" b="1" dirty="0">
-                <a:solidFill>
-                  <a:schemeClr val="bg1"/>
-                </a:solidFill>
-                <a:effectLst/>
+              <a:t>Формулатория</a:t>
+            </a:r>
+            <a:r>
+              <a:rPr lang="ru-RU" sz="2400" dirty="0" smtClean="0">
                 <a:latin typeface="Arial Black" panose="020B0A04020102020204" pitchFamily="34" charset="0"/>
-                <a:ea typeface="Times New Roman" panose="02020603050405020304" pitchFamily="18" charset="0"/>
               </a:rPr>
-              <a:t>python</a:t>
-            </a:r>
-            <a:r>
-              <a:rPr lang="ru-RU" sz="2400" b="1" dirty="0">
-                <a:solidFill>
-                  <a:schemeClr val="bg1"/>
-                </a:solidFill>
-                <a:effectLst/>
+              <a:t>». (</a:t>
+            </a:r>
+            <a:r>
+              <a:rPr lang="ru-RU" sz="2400" dirty="0">
                 <a:latin typeface="Arial Black" panose="020B0A04020102020204" pitchFamily="34" charset="0"/>
-                <a:ea typeface="Times New Roman" panose="02020603050405020304" pitchFamily="18" charset="0"/>
               </a:rPr>
-              <a:t> с помощью библиотеки </a:t>
-            </a:r>
-            <a:r>
-              <a:rPr lang="en-US" sz="2400" b="1" dirty="0" err="1">
-                <a:solidFill>
-                  <a:schemeClr val="bg1"/>
-                </a:solidFill>
-                <a:effectLst/>
+              <a:t>на примере формул школьного курса </a:t>
+            </a:r>
+            <a:r>
+              <a:rPr lang="ru-RU" sz="2400" dirty="0" smtClean="0">
                 <a:latin typeface="Arial Black" panose="020B0A04020102020204" pitchFamily="34" charset="0"/>
-                <a:ea typeface="Times New Roman" panose="02020603050405020304" pitchFamily="18" charset="0"/>
               </a:rPr>
-              <a:t>pygame</a:t>
-            </a:r>
-            <a:r>
-              <a:rPr lang="ru-RU" sz="2400" b="1" dirty="0">
-                <a:solidFill>
-                  <a:schemeClr val="bg1"/>
-                </a:solidFill>
-                <a:effectLst/>
-                <a:latin typeface="Arial Black" panose="020B0A04020102020204" pitchFamily="34" charset="0"/>
-                <a:ea typeface="Times New Roman" panose="02020603050405020304" pitchFamily="18" charset="0"/>
-              </a:rPr>
-              <a:t>»</a:t>
-            </a:r>
-            <a:r>
-              <a:rPr lang="ru-RU" sz="2400" b="1" dirty="0">
-                <a:solidFill>
-                  <a:schemeClr val="bg1"/>
-                </a:solidFill>
-                <a:effectLst/>
-                <a:latin typeface="Times New Roman" panose="02020603050405020304" pitchFamily="18" charset="0"/>
-                <a:ea typeface="Times New Roman" panose="02020603050405020304" pitchFamily="18" charset="0"/>
-              </a:rPr>
-              <a:t/>
-            </a:r>
-            <a:br>
-              <a:rPr lang="ru-RU" sz="2400" b="1" dirty="0">
-                <a:solidFill>
-                  <a:schemeClr val="bg1"/>
-                </a:solidFill>
-                <a:effectLst/>
-                <a:latin typeface="Times New Roman" panose="02020603050405020304" pitchFamily="18" charset="0"/>
-                <a:ea typeface="Times New Roman" panose="02020603050405020304" pitchFamily="18" charset="0"/>
-              </a:rPr>
-            </a:br>
-            <a:endParaRPr lang="ru-RU" sz="2400" b="1" dirty="0">
-              <a:solidFill>
-                <a:schemeClr val="bg1"/>
-              </a:solidFill>
+              <a:t>математики)</a:t>
+            </a:r>
+            <a:endParaRPr lang="ru-RU" sz="2400" dirty="0">
+              <a:latin typeface="Arial Black" panose="020B0A04020102020204" pitchFamily="34" charset="0"/>
             </a:endParaRPr>
           </a:p>
         </p:txBody>
@@ -12578,209 +12536,183 @@
         </p:nvSpPr>
         <p:spPr>
           <a:xfrm>
-            <a:off x="1876424" y="3602037"/>
-            <a:ext cx="8791575" cy="2794297"/>
+            <a:off x="3400425" y="3867666"/>
+            <a:ext cx="8791575" cy="3217378"/>
           </a:xfrm>
         </p:spPr>
         <p:txBody>
           <a:bodyPr numCol="1">
-            <a:normAutofit fontScale="25000" lnSpcReduction="20000"/>
+            <a:noAutofit/>
           </a:bodyPr>
           <a:lstStyle/>
           <a:p>
-            <a:pPr algn="r"/>
-            <a:r>
-              <a:rPr lang="ru-RU" sz="1800" b="1" dirty="0">
+            <a:pPr algn="r">
+              <a:lnSpc>
+                <a:spcPct val="100000"/>
+              </a:lnSpc>
+            </a:pPr>
+            <a:r>
+              <a:rPr lang="ru-RU" sz="1600" b="1" dirty="0" smtClean="0">
                 <a:solidFill>
-                  <a:srgbClr val="000000"/>
+                  <a:schemeClr val="tx1"/>
                 </a:solidFill>
-                <a:effectLst/>
-                <a:latin typeface="Times New Roman" panose="02020603050405020304" pitchFamily="18" charset="0"/>
-                <a:ea typeface="Times New Roman" panose="02020603050405020304" pitchFamily="18" charset="0"/>
+                <a:latin typeface="Arial Black" panose="020B0A04020102020204" pitchFamily="34" charset="0"/>
+              </a:rPr>
+              <a:t>Выполнил</a:t>
+            </a:r>
+            <a:r>
+              <a:rPr lang="ru-RU" sz="1600" b="1" dirty="0">
+                <a:solidFill>
+                  <a:schemeClr val="tx1"/>
+                </a:solidFill>
+                <a:latin typeface="Arial Black" panose="020B0A04020102020204" pitchFamily="34" charset="0"/>
+              </a:rPr>
+              <a:t>:</a:t>
+            </a:r>
+            <a:endParaRPr lang="ru-RU" sz="1600" dirty="0">
+              <a:solidFill>
+                <a:schemeClr val="tx1"/>
+              </a:solidFill>
+              <a:latin typeface="Arial Black" panose="020B0A04020102020204" pitchFamily="34" charset="0"/>
+            </a:endParaRPr>
+          </a:p>
+          <a:p>
+            <a:pPr algn="r">
+              <a:lnSpc>
+                <a:spcPct val="100000"/>
+              </a:lnSpc>
+            </a:pPr>
+            <a:r>
+              <a:rPr lang="ru-RU" sz="1600" dirty="0">
+                <a:solidFill>
+                  <a:schemeClr val="tx1"/>
+                </a:solidFill>
+                <a:latin typeface="Arial Black" panose="020B0A04020102020204" pitchFamily="34" charset="0"/>
+              </a:rPr>
+              <a:t>Ануваров Руслан Маратович,</a:t>
+            </a:r>
+          </a:p>
+          <a:p>
+            <a:pPr algn="r">
+              <a:lnSpc>
+                <a:spcPct val="100000"/>
+              </a:lnSpc>
+            </a:pPr>
+            <a:r>
+              <a:rPr lang="ru-RU" sz="1600" dirty="0">
+                <a:solidFill>
+                  <a:schemeClr val="tx1"/>
+                </a:solidFill>
+                <a:latin typeface="Arial Black" panose="020B0A04020102020204" pitchFamily="34" charset="0"/>
+              </a:rPr>
+              <a:t>ученик 10 «А» класса</a:t>
+            </a:r>
+          </a:p>
+          <a:p>
+            <a:pPr algn="r">
+              <a:lnSpc>
+                <a:spcPct val="100000"/>
+              </a:lnSpc>
+            </a:pPr>
+            <a:r>
+              <a:rPr lang="ru-RU" sz="1600" dirty="0">
+                <a:solidFill>
+                  <a:schemeClr val="tx1"/>
+                </a:solidFill>
+                <a:latin typeface="Arial Black" panose="020B0A04020102020204" pitchFamily="34" charset="0"/>
               </a:rPr>
               <a:t> </a:t>
             </a:r>
-            <a:endParaRPr lang="ru-RU" sz="1800" dirty="0">
+          </a:p>
+          <a:p>
+            <a:pPr algn="r">
+              <a:lnSpc>
+                <a:spcPct val="100000"/>
+              </a:lnSpc>
+            </a:pPr>
+            <a:r>
+              <a:rPr lang="ru-RU" sz="1600" b="1" dirty="0">
+                <a:solidFill>
+                  <a:schemeClr val="tx1"/>
+                </a:solidFill>
+                <a:latin typeface="Arial Black" panose="020B0A04020102020204" pitchFamily="34" charset="0"/>
+              </a:rPr>
+              <a:t>Руководитель проекта:</a:t>
+            </a:r>
+            <a:endParaRPr lang="ru-RU" sz="1600" dirty="0">
               <a:solidFill>
-                <a:srgbClr val="000000"/>
+                <a:schemeClr val="tx1"/>
               </a:solidFill>
-              <a:effectLst/>
-              <a:latin typeface="Times New Roman" panose="02020603050405020304" pitchFamily="18" charset="0"/>
-              <a:ea typeface="Times New Roman" panose="02020603050405020304" pitchFamily="18" charset="0"/>
+              <a:latin typeface="Arial Black" panose="020B0A04020102020204" pitchFamily="34" charset="0"/>
             </a:endParaRPr>
           </a:p>
           <a:p>
-            <a:pPr algn="r"/>
-            <a:r>
-              <a:rPr lang="ru-RU" sz="6200" b="1" dirty="0">
+            <a:pPr algn="r">
+              <a:lnSpc>
+                <a:spcPct val="100000"/>
+              </a:lnSpc>
+            </a:pPr>
+            <a:r>
+              <a:rPr lang="ru-RU" sz="1600" dirty="0" err="1">
                 <a:solidFill>
-                  <a:schemeClr val="bg1"/>
+                  <a:schemeClr val="tx1"/>
                 </a:solidFill>
-                <a:effectLst/>
                 <a:latin typeface="Arial Black" panose="020B0A04020102020204" pitchFamily="34" charset="0"/>
-                <a:ea typeface="Times New Roman" panose="02020603050405020304" pitchFamily="18" charset="0"/>
               </a:rPr>
-              <a:t>Проект выполнил:</a:t>
-            </a:r>
-            <a:endParaRPr lang="ru-RU" sz="6200" dirty="0">
-              <a:solidFill>
-                <a:schemeClr val="bg1"/>
-              </a:solidFill>
-              <a:effectLst/>
-              <a:latin typeface="Arial Black" panose="020B0A04020102020204" pitchFamily="34" charset="0"/>
-              <a:ea typeface="Times New Roman" panose="02020603050405020304" pitchFamily="18" charset="0"/>
-            </a:endParaRPr>
-          </a:p>
-          <a:p>
-            <a:pPr algn="r"/>
-            <a:r>
-              <a:rPr lang="ru-RU" sz="6200" dirty="0">
+              <a:t>Мухайлова</a:t>
+            </a:r>
+            <a:r>
+              <a:rPr lang="ru-RU" sz="1600" dirty="0">
                 <a:solidFill>
-                  <a:schemeClr val="bg1"/>
+                  <a:schemeClr val="tx1"/>
                 </a:solidFill>
-                <a:effectLst/>
                 <a:latin typeface="Arial Black" panose="020B0A04020102020204" pitchFamily="34" charset="0"/>
-                <a:ea typeface="Times New Roman" panose="02020603050405020304" pitchFamily="18" charset="0"/>
               </a:rPr>
-              <a:t>Тагиров Вадим </a:t>
-            </a:r>
-            <a:r>
-              <a:rPr lang="ru-RU" sz="6200" dirty="0" err="1">
+              <a:t> Резеда </a:t>
+            </a:r>
+            <a:r>
+              <a:rPr lang="ru-RU" sz="1600" dirty="0" err="1">
                 <a:solidFill>
-                  <a:schemeClr val="bg1"/>
+                  <a:schemeClr val="tx1"/>
                 </a:solidFill>
-                <a:effectLst/>
                 <a:latin typeface="Arial Black" panose="020B0A04020102020204" pitchFamily="34" charset="0"/>
-                <a:ea typeface="Times New Roman" panose="02020603050405020304" pitchFamily="18" charset="0"/>
               </a:rPr>
-              <a:t>Эльвирович</a:t>
-            </a:r>
-            <a:r>
-              <a:rPr lang="ru-RU" sz="6200" dirty="0">
+              <a:t>Фаридовна</a:t>
+            </a:r>
+            <a:r>
+              <a:rPr lang="ru-RU" sz="1600" dirty="0">
                 <a:solidFill>
-                  <a:schemeClr val="bg1"/>
+                  <a:schemeClr val="tx1"/>
                 </a:solidFill>
-                <a:effectLst/>
                 <a:latin typeface="Arial Black" panose="020B0A04020102020204" pitchFamily="34" charset="0"/>
-                <a:ea typeface="Times New Roman" panose="02020603050405020304" pitchFamily="18" charset="0"/>
               </a:rPr>
               <a:t>,</a:t>
             </a:r>
           </a:p>
           <a:p>
+            <a:pPr algn="r">
+              <a:lnSpc>
+                <a:spcPct val="100000"/>
+              </a:lnSpc>
+            </a:pPr>
+            <a:r>
+              <a:rPr lang="ru-RU" sz="1600" dirty="0">
+                <a:solidFill>
+                  <a:schemeClr val="tx1"/>
+                </a:solidFill>
+                <a:latin typeface="Arial Black" panose="020B0A04020102020204" pitchFamily="34" charset="0"/>
+              </a:rPr>
+              <a:t>педагог дополнительного образования</a:t>
+            </a:r>
+          </a:p>
+          <a:p>
             <a:pPr algn="r"/>
-            <a:r>
-              <a:rPr lang="ru-RU" sz="6200" dirty="0">
-                <a:solidFill>
-                  <a:schemeClr val="bg1"/>
-                </a:solidFill>
-                <a:effectLst/>
-                <a:latin typeface="Arial Black" panose="020B0A04020102020204" pitchFamily="34" charset="0"/>
-                <a:ea typeface="Times New Roman" panose="02020603050405020304" pitchFamily="18" charset="0"/>
-              </a:rPr>
-              <a:t>обучающийся 11 «А» класса</a:t>
-            </a:r>
-          </a:p>
-          <a:p>
-            <a:pPr algn="r"/>
-            <a:r>
-              <a:rPr lang="ru-RU" sz="6200" dirty="0">
-                <a:solidFill>
-                  <a:schemeClr val="bg1"/>
-                </a:solidFill>
-                <a:effectLst/>
-                <a:latin typeface="Arial Black" panose="020B0A04020102020204" pitchFamily="34" charset="0"/>
-                <a:ea typeface="Times New Roman" panose="02020603050405020304" pitchFamily="18" charset="0"/>
-              </a:rPr>
-              <a:t> </a:t>
-            </a:r>
-          </a:p>
-          <a:p>
-            <a:pPr algn="r"/>
-            <a:r>
-              <a:rPr lang="ru-RU" sz="6200" b="1" dirty="0">
-                <a:solidFill>
-                  <a:schemeClr val="bg1"/>
-                </a:solidFill>
-                <a:effectLst/>
-                <a:latin typeface="Arial Black" panose="020B0A04020102020204" pitchFamily="34" charset="0"/>
-                <a:ea typeface="Times New Roman" panose="02020603050405020304" pitchFamily="18" charset="0"/>
-              </a:rPr>
-              <a:t>Руководитель проекта:</a:t>
-            </a:r>
-            <a:endParaRPr lang="ru-RU" sz="6200" dirty="0">
+            <a:endParaRPr lang="ru-RU" sz="1600" dirty="0">
               <a:solidFill>
-                <a:schemeClr val="bg1"/>
+                <a:schemeClr val="tx1"/>
               </a:solidFill>
-              <a:effectLst/>
               <a:latin typeface="Arial Black" panose="020B0A04020102020204" pitchFamily="34" charset="0"/>
-              <a:ea typeface="Times New Roman" panose="02020603050405020304" pitchFamily="18" charset="0"/>
             </a:endParaRPr>
-          </a:p>
-          <a:p>
-            <a:pPr algn="r"/>
-            <a:r>
-              <a:rPr lang="ru-RU" sz="6200" dirty="0" err="1">
-                <a:solidFill>
-                  <a:schemeClr val="bg1"/>
-                </a:solidFill>
-                <a:effectLst/>
-                <a:latin typeface="Arial Black" panose="020B0A04020102020204" pitchFamily="34" charset="0"/>
-                <a:ea typeface="Times New Roman" panose="02020603050405020304" pitchFamily="18" charset="0"/>
-              </a:rPr>
-              <a:t>Ахмарова</a:t>
-            </a:r>
-            <a:r>
-              <a:rPr lang="ru-RU" sz="6200" dirty="0">
-                <a:solidFill>
-                  <a:schemeClr val="bg1"/>
-                </a:solidFill>
-                <a:effectLst/>
-                <a:latin typeface="Arial Black" panose="020B0A04020102020204" pitchFamily="34" charset="0"/>
-                <a:ea typeface="Times New Roman" panose="02020603050405020304" pitchFamily="18" charset="0"/>
-              </a:rPr>
-              <a:t> Гульнур </a:t>
-            </a:r>
-            <a:r>
-              <a:rPr lang="ru-RU" sz="6200" dirty="0" err="1">
-                <a:solidFill>
-                  <a:schemeClr val="bg1"/>
-                </a:solidFill>
-                <a:effectLst/>
-                <a:latin typeface="Arial Black" panose="020B0A04020102020204" pitchFamily="34" charset="0"/>
-                <a:ea typeface="Times New Roman" panose="02020603050405020304" pitchFamily="18" charset="0"/>
-              </a:rPr>
-              <a:t>Кадриевна</a:t>
-            </a:r>
-            <a:r>
-              <a:rPr lang="ru-RU" sz="6200" dirty="0">
-                <a:solidFill>
-                  <a:schemeClr val="bg1"/>
-                </a:solidFill>
-                <a:effectLst/>
-                <a:latin typeface="Arial Black" panose="020B0A04020102020204" pitchFamily="34" charset="0"/>
-                <a:ea typeface="Times New Roman" panose="02020603050405020304" pitchFamily="18" charset="0"/>
-              </a:rPr>
-              <a:t>,</a:t>
-            </a:r>
-          </a:p>
-          <a:p>
-            <a:pPr algn="r"/>
-            <a:r>
-              <a:rPr lang="ru-RU" sz="6200" dirty="0">
-                <a:solidFill>
-                  <a:schemeClr val="bg1"/>
-                </a:solidFill>
-                <a:effectLst/>
-                <a:latin typeface="Arial Black" panose="020B0A04020102020204" pitchFamily="34" charset="0"/>
-                <a:ea typeface="Times New Roman" panose="02020603050405020304" pitchFamily="18" charset="0"/>
-              </a:rPr>
-              <a:t>учитель информатики</a:t>
-            </a:r>
-          </a:p>
-          <a:p>
-            <a:pPr algn="r"/>
-            <a:endParaRPr lang="ru-RU" dirty="0"/>
           </a:p>
         </p:txBody>
       </p:sp>
@@ -12798,8 +12730,8 @@
         </p:nvSpPr>
         <p:spPr>
           <a:xfrm>
-            <a:off x="3726329" y="6396335"/>
-            <a:ext cx="5091764" cy="461665"/>
+            <a:off x="3726328" y="6519446"/>
+            <a:ext cx="5091764" cy="338554"/>
           </a:xfrm>
           <a:prstGeom prst="rect">
             <a:avLst/>
@@ -12814,12 +12746,84 @@
           <a:p>
             <a:pPr algn="ctr"/>
             <a:r>
-              <a:rPr lang="ru-RU" sz="2400" dirty="0">
+              <a:rPr lang="ru-RU" sz="1600" dirty="0">
                 <a:effectLst/>
                 <a:latin typeface="Arial Black" panose="020B0A04020102020204" pitchFamily="34" charset="0"/>
                 <a:ea typeface="Times New Roman" panose="02020603050405020304" pitchFamily="18" charset="0"/>
               </a:rPr>
               <a:t>с. Барда, 2025</a:t>
+            </a:r>
+          </a:p>
+        </p:txBody>
+      </p:sp>
+      <p:sp>
+        <p:nvSpPr>
+          <p:cNvPr id="2" name="Прямоугольник 1"/>
+          <p:cNvSpPr/>
+          <p:nvPr/>
+        </p:nvSpPr>
+        <p:spPr>
+          <a:xfrm>
+            <a:off x="1788313" y="0"/>
+            <a:ext cx="8967791" cy="584775"/>
+          </a:xfrm>
+          <a:prstGeom prst="rect">
+            <a:avLst/>
+          </a:prstGeom>
+        </p:spPr>
+        <p:txBody>
+          <a:bodyPr wrap="square">
+            <a:spAutoFit/>
+          </a:bodyPr>
+          <a:lstStyle/>
+          <a:p>
+            <a:pPr algn="ctr">
+              <a:spcAft>
+                <a:spcPts val="0"/>
+              </a:spcAft>
+              <a:tabLst>
+                <a:tab pos="2969895" algn="ctr"/>
+                <a:tab pos="5940425" algn="r"/>
+              </a:tabLst>
+            </a:pPr>
+            <a:r>
+              <a:rPr lang="ru-RU" sz="1600" dirty="0">
+                <a:latin typeface="Arial Black" panose="020B0A04020102020204" pitchFamily="34" charset="0"/>
+                <a:ea typeface="Times New Roman" panose="02020603050405020304" pitchFamily="18" charset="0"/>
+              </a:rPr>
+              <a:t>Муниципальное автономное общеобразовательное учреждение</a:t>
+            </a:r>
+          </a:p>
+          <a:p>
+            <a:pPr algn="ctr">
+              <a:spcAft>
+                <a:spcPts val="0"/>
+              </a:spcAft>
+              <a:tabLst>
+                <a:tab pos="2969895" algn="ctr"/>
+                <a:tab pos="5940425" algn="r"/>
+              </a:tabLst>
+            </a:pPr>
+            <a:r>
+              <a:rPr lang="ru-RU" sz="1600" dirty="0">
+                <a:latin typeface="Arial Black" panose="020B0A04020102020204" pitchFamily="34" charset="0"/>
+                <a:ea typeface="Times New Roman" panose="02020603050405020304" pitchFamily="18" charset="0"/>
+              </a:rPr>
+              <a:t>«</a:t>
+            </a:r>
+            <a:r>
+              <a:rPr lang="ru-RU" sz="1600" dirty="0" err="1">
+                <a:latin typeface="Arial Black" panose="020B0A04020102020204" pitchFamily="34" charset="0"/>
+                <a:ea typeface="Times New Roman" panose="02020603050405020304" pitchFamily="18" charset="0"/>
+              </a:rPr>
+              <a:t>Бардымская</a:t>
+            </a:r>
+            <a:r>
+              <a:rPr lang="ru-RU" sz="1600" dirty="0">
+                <a:latin typeface="Arial Black" panose="020B0A04020102020204" pitchFamily="34" charset="0"/>
+                <a:ea typeface="Times New Roman" panose="02020603050405020304" pitchFamily="18" charset="0"/>
+              </a:rPr>
+              <a:t> средняя общеобразовательная школа №2»</a:t>
             </a:r>
           </a:p>
         </p:txBody>
@@ -12834,6 +12838,1883 @@
   <p:clrMapOvr>
     <a:masterClrMapping/>
   </p:clrMapOvr>
+  <mc:AlternateContent xmlns:mc="http://schemas.openxmlformats.org/markup-compatibility/2006" xmlns:p14="http://schemas.microsoft.com/office/powerpoint/2010/main">
+    <mc:Choice Requires="p14">
+      <p:transition p14:dur="0"/>
+    </mc:Choice>
+    <mc:Fallback xmlns="">
+      <p:transition/>
+    </mc:Fallback>
+  </mc:AlternateContent>
+  <p:timing>
+    <p:tnLst>
+      <p:par>
+        <p:cTn id="1" dur="indefinite" restart="never" nodeType="tmRoot"/>
+      </p:par>
+    </p:tnLst>
+  </p:timing>
+</p:sld>
+</file>
+
+<file path=ppt/slides/slide10.xml><?xml version="1.0" encoding="utf-8"?>
+<p:sld xmlns:a="http://schemas.openxmlformats.org/drawingml/2006/main" xmlns:r="http://schemas.openxmlformats.org/officeDocument/2006/relationships" xmlns:p="http://schemas.openxmlformats.org/presentationml/2006/main">
+  <p:cSld>
+    <p:spTree>
+      <p:nvGrpSpPr>
+        <p:cNvPr id="1" name=""/>
+        <p:cNvGrpSpPr/>
+        <p:nvPr/>
+      </p:nvGrpSpPr>
+      <p:grpSpPr>
+        <a:xfrm>
+          <a:off x="0" y="0"/>
+          <a:ext cx="0" cy="0"/>
+          <a:chOff x="0" y="0"/>
+          <a:chExt cx="0" cy="0"/>
+        </a:xfrm>
+      </p:grpSpPr>
+      <p:pic>
+        <p:nvPicPr>
+          <p:cNvPr id="4" name="Объект 3"/>
+          <p:cNvPicPr>
+            <a:picLocks noGrp="1" noChangeAspect="1"/>
+          </p:cNvPicPr>
+          <p:nvPr>
+            <p:ph idx="1"/>
+          </p:nvPr>
+        </p:nvPicPr>
+        <p:blipFill>
+          <a:blip r:embed="rId2">
+            <a:extLst>
+              <a:ext uri="{28A0092B-C50C-407E-A947-70E740481C1C}">
+                <a14:useLocalDpi xmlns:a14="http://schemas.microsoft.com/office/drawing/2010/main" val="0"/>
+              </a:ext>
+            </a:extLst>
+          </a:blip>
+          <a:stretch>
+            <a:fillRect/>
+          </a:stretch>
+        </p:blipFill>
+        <p:spPr>
+          <a:xfrm>
+            <a:off x="0" y="0"/>
+            <a:ext cx="21617956" cy="6858000"/>
+          </a:xfrm>
+        </p:spPr>
+      </p:pic>
+      <p:sp>
+        <p:nvSpPr>
+          <p:cNvPr id="2" name="Заголовок 1"/>
+          <p:cNvSpPr>
+            <a:spLocks noGrp="1"/>
+          </p:cNvSpPr>
+          <p:nvPr>
+            <p:ph type="title"/>
+          </p:nvPr>
+        </p:nvSpPr>
+        <p:spPr>
+          <a:xfrm>
+            <a:off x="7094230" y="-514350"/>
+            <a:ext cx="9905998" cy="1478570"/>
+          </a:xfrm>
+        </p:spPr>
+        <p:txBody>
+          <a:bodyPr>
+            <a:normAutofit/>
+          </a:bodyPr>
+          <a:lstStyle/>
+          <a:p>
+            <a:r>
+              <a:rPr lang="ru-RU" sz="2500" dirty="0" smtClean="0">
+                <a:solidFill>
+                  <a:schemeClr val="bg1"/>
+                </a:solidFill>
+                <a:latin typeface="Arial Black" panose="020B0A04020102020204" pitchFamily="34" charset="0"/>
+              </a:rPr>
+              <a:t>База данных – </a:t>
+            </a:r>
+            <a:r>
+              <a:rPr lang="en-US" sz="2500" dirty="0" err="1" smtClean="0">
+                <a:solidFill>
+                  <a:schemeClr val="bg1"/>
+                </a:solidFill>
+                <a:latin typeface="Arial Black" panose="020B0A04020102020204" pitchFamily="34" charset="0"/>
+              </a:rPr>
+              <a:t>formula.db</a:t>
+            </a:r>
+            <a:endParaRPr lang="ru-RU" sz="2500" dirty="0">
+              <a:solidFill>
+                <a:schemeClr val="bg1"/>
+              </a:solidFill>
+              <a:latin typeface="Arial Black" panose="020B0A04020102020204" pitchFamily="34" charset="0"/>
+            </a:endParaRPr>
+          </a:p>
+        </p:txBody>
+      </p:sp>
+    </p:spTree>
+    <p:extLst>
+      <p:ext uri="{BB962C8B-B14F-4D97-AF65-F5344CB8AC3E}">
+        <p14:creationId xmlns:p14="http://schemas.microsoft.com/office/powerpoint/2010/main" val="3023192314"/>
+      </p:ext>
+    </p:extLst>
+  </p:cSld>
+  <p:clrMapOvr>
+    <a:masterClrMapping/>
+  </p:clrMapOvr>
+  <p:transition spd="med">
+    <p:pull/>
+  </p:transition>
+  <p:timing>
+    <p:tnLst>
+      <p:par>
+        <p:cTn id="1" dur="indefinite" restart="never" nodeType="tmRoot"/>
+      </p:par>
+    </p:tnLst>
+  </p:timing>
+</p:sld>
+</file>
+
+<file path=ppt/slides/slide11.xml><?xml version="1.0" encoding="utf-8"?>
+<p:sld xmlns:a="http://schemas.openxmlformats.org/drawingml/2006/main" xmlns:r="http://schemas.openxmlformats.org/officeDocument/2006/relationships" xmlns:p="http://schemas.openxmlformats.org/presentationml/2006/main">
+  <p:cSld>
+    <p:spTree>
+      <p:nvGrpSpPr>
+        <p:cNvPr id="1" name=""/>
+        <p:cNvGrpSpPr/>
+        <p:nvPr/>
+      </p:nvGrpSpPr>
+      <p:grpSpPr>
+        <a:xfrm>
+          <a:off x="0" y="0"/>
+          <a:ext cx="0" cy="0"/>
+          <a:chOff x="0" y="0"/>
+          <a:chExt cx="0" cy="0"/>
+        </a:xfrm>
+      </p:grpSpPr>
+      <p:sp>
+        <p:nvSpPr>
+          <p:cNvPr id="3" name="Объект 2"/>
+          <p:cNvSpPr>
+            <a:spLocks noGrp="1"/>
+          </p:cNvSpPr>
+          <p:nvPr>
+            <p:ph idx="1"/>
+          </p:nvPr>
+        </p:nvSpPr>
+        <p:spPr/>
+        <p:txBody>
+          <a:bodyPr/>
+          <a:lstStyle/>
+          <a:p>
+            <a:endParaRPr lang="ru-RU"/>
+          </a:p>
+        </p:txBody>
+      </p:sp>
+      <p:pic>
+        <p:nvPicPr>
+          <p:cNvPr id="4" name="Рисунок 3"/>
+          <p:cNvPicPr>
+            <a:picLocks noChangeAspect="1"/>
+          </p:cNvPicPr>
+          <p:nvPr/>
+        </p:nvPicPr>
+        <p:blipFill rotWithShape="1">
+          <a:blip r:embed="rId2">
+            <a:extLst>
+              <a:ext uri="{28A0092B-C50C-407E-A947-70E740481C1C}">
+                <a14:useLocalDpi xmlns:a14="http://schemas.microsoft.com/office/drawing/2010/main" val="0"/>
+              </a:ext>
+            </a:extLst>
+          </a:blip>
+          <a:srcRect l="9356" t="1951" r="7957" b="1402"/>
+          <a:stretch/>
+        </p:blipFill>
+        <p:spPr>
+          <a:xfrm>
+            <a:off x="-12219" y="0"/>
+            <a:ext cx="12204219" cy="6858000"/>
+          </a:xfrm>
+          <a:prstGeom prst="rect">
+            <a:avLst/>
+          </a:prstGeom>
+        </p:spPr>
+      </p:pic>
+    </p:spTree>
+    <p:extLst>
+      <p:ext uri="{BB962C8B-B14F-4D97-AF65-F5344CB8AC3E}">
+        <p14:creationId xmlns:p14="http://schemas.microsoft.com/office/powerpoint/2010/main" val="1650384721"/>
+      </p:ext>
+    </p:extLst>
+  </p:cSld>
+  <p:clrMapOvr>
+    <a:masterClrMapping/>
+  </p:clrMapOvr>
+  <p:transition spd="med">
+    <p:pull/>
+  </p:transition>
+  <p:timing>
+    <p:tnLst>
+      <p:par>
+        <p:cTn id="1" dur="indefinite" restart="never" nodeType="tmRoot"/>
+      </p:par>
+    </p:tnLst>
+  </p:timing>
+</p:sld>
+</file>
+
+<file path=ppt/slides/slide2.xml><?xml version="1.0" encoding="utf-8"?>
+<p:sld xmlns:a="http://schemas.openxmlformats.org/drawingml/2006/main" xmlns:r="http://schemas.openxmlformats.org/officeDocument/2006/relationships" xmlns:p="http://schemas.openxmlformats.org/presentationml/2006/main">
+  <p:cSld>
+    <p:spTree>
+      <p:nvGrpSpPr>
+        <p:cNvPr id="1" name=""/>
+        <p:cNvGrpSpPr/>
+        <p:nvPr/>
+      </p:nvGrpSpPr>
+      <p:grpSpPr>
+        <a:xfrm>
+          <a:off x="0" y="0"/>
+          <a:ext cx="0" cy="0"/>
+          <a:chOff x="0" y="0"/>
+          <a:chExt cx="0" cy="0"/>
+        </a:xfrm>
+      </p:grpSpPr>
+      <p:sp>
+        <p:nvSpPr>
+          <p:cNvPr id="4" name="Заголовок 3"/>
+          <p:cNvSpPr>
+            <a:spLocks noGrp="1"/>
+          </p:cNvSpPr>
+          <p:nvPr>
+            <p:ph type="title"/>
+          </p:nvPr>
+        </p:nvSpPr>
+        <p:spPr/>
+        <p:txBody>
+          <a:bodyPr>
+            <a:normAutofit/>
+          </a:bodyPr>
+          <a:lstStyle/>
+          <a:p>
+            <a:r>
+              <a:rPr lang="ru-RU" sz="2500" dirty="0" smtClean="0">
+                <a:latin typeface="Arial Black" panose="020B0A04020102020204" pitchFamily="34" charset="0"/>
+              </a:rPr>
+              <a:t>Актуальность</a:t>
+            </a:r>
+            <a:endParaRPr lang="ru-RU" sz="2500" dirty="0">
+              <a:latin typeface="Arial Black" panose="020B0A04020102020204" pitchFamily="34" charset="0"/>
+            </a:endParaRPr>
+          </a:p>
+        </p:txBody>
+      </p:sp>
+      <p:sp>
+        <p:nvSpPr>
+          <p:cNvPr id="3" name="Объект 2"/>
+          <p:cNvSpPr>
+            <a:spLocks noGrp="1"/>
+          </p:cNvSpPr>
+          <p:nvPr>
+            <p:ph idx="1"/>
+          </p:nvPr>
+        </p:nvSpPr>
+        <p:spPr>
+          <a:xfrm>
+            <a:off x="1141412" y="1842448"/>
+            <a:ext cx="9905999" cy="4694829"/>
+          </a:xfrm>
+        </p:spPr>
+        <p:txBody>
+          <a:bodyPr>
+            <a:normAutofit fontScale="85000" lnSpcReduction="10000"/>
+          </a:bodyPr>
+          <a:lstStyle/>
+          <a:p>
+            <a:r>
+              <a:rPr lang="ru-RU" dirty="0">
+                <a:latin typeface="Arial Black" panose="020B0A04020102020204" pitchFamily="34" charset="0"/>
+              </a:rPr>
+              <a:t>Изучение математики часто сводится к механическому запоминанию формул, из-за чего ученики теряют понимание их взаимосвязей и логики. Проект направлен на то, чтобы изменить этот подход. Вместо заучивания школьники смогут видеть, как формулы выводятся друг из друга, как они связаны между собой и с реальными задачами. Это углубляет знания по математике, </a:t>
+            </a:r>
+            <a:r>
+              <a:rPr lang="ru-RU" dirty="0" smtClean="0">
+                <a:latin typeface="Arial Black" panose="020B0A04020102020204" pitchFamily="34" charset="0"/>
+              </a:rPr>
+              <a:t>что также в дальнейшем поможет в </a:t>
+            </a:r>
+            <a:r>
+              <a:rPr lang="ru-RU" dirty="0">
+                <a:latin typeface="Arial Black" panose="020B0A04020102020204" pitchFamily="34" charset="0"/>
+              </a:rPr>
+              <a:t>изучении смежных дисциплин: физики, химии и </a:t>
+            </a:r>
+            <a:r>
+              <a:rPr lang="ru-RU" dirty="0" smtClean="0">
+                <a:latin typeface="Arial Black" panose="020B0A04020102020204" pitchFamily="34" charset="0"/>
+              </a:rPr>
+              <a:t>другие</a:t>
+            </a:r>
+            <a:r>
+              <a:rPr lang="ru-RU" dirty="0">
+                <a:latin typeface="Arial Black" panose="020B0A04020102020204" pitchFamily="34" charset="0"/>
+              </a:rPr>
+              <a:t>.</a:t>
+            </a:r>
+          </a:p>
+          <a:p>
+            <a:r>
+              <a:rPr lang="ru-RU" dirty="0">
+                <a:latin typeface="Arial Black" panose="020B0A04020102020204" pitchFamily="34" charset="0"/>
+              </a:rPr>
+              <a:t>Приложение поможет сделать изучение математики более увлекательным, а классификация формул и их выводы могут служить полезным справочным материалом, </a:t>
+            </a:r>
+            <a:r>
+              <a:rPr lang="ru-RU" dirty="0" smtClean="0">
+                <a:latin typeface="Arial Black" panose="020B0A04020102020204" pitchFamily="34" charset="0"/>
+              </a:rPr>
+              <a:t>что также </a:t>
+            </a:r>
+            <a:r>
+              <a:rPr lang="ru-RU" dirty="0">
+                <a:latin typeface="Arial Black" panose="020B0A04020102020204" pitchFamily="34" charset="0"/>
+              </a:rPr>
+              <a:t>может помочь в подготовке к экзаменам и контрольным работам.</a:t>
+            </a:r>
+          </a:p>
+        </p:txBody>
+      </p:sp>
+    </p:spTree>
+    <p:extLst>
+      <p:ext uri="{BB962C8B-B14F-4D97-AF65-F5344CB8AC3E}">
+        <p14:creationId xmlns:p14="http://schemas.microsoft.com/office/powerpoint/2010/main" val="3897186875"/>
+      </p:ext>
+    </p:extLst>
+  </p:cSld>
+  <p:clrMapOvr>
+    <a:masterClrMapping/>
+  </p:clrMapOvr>
+  <p:transition spd="med">
+    <p:pull/>
+  </p:transition>
+  <p:timing>
+    <p:tnLst>
+      <p:par>
+        <p:cTn id="1" dur="indefinite" restart="never" nodeType="tmRoot"/>
+      </p:par>
+    </p:tnLst>
+  </p:timing>
+</p:sld>
+</file>
+
+<file path=ppt/slides/slide3.xml><?xml version="1.0" encoding="utf-8"?>
+<p:sld xmlns:a="http://schemas.openxmlformats.org/drawingml/2006/main" xmlns:r="http://schemas.openxmlformats.org/officeDocument/2006/relationships" xmlns:p="http://schemas.openxmlformats.org/presentationml/2006/main">
+  <p:cSld>
+    <p:spTree>
+      <p:nvGrpSpPr>
+        <p:cNvPr id="1" name=""/>
+        <p:cNvGrpSpPr/>
+        <p:nvPr/>
+      </p:nvGrpSpPr>
+      <p:grpSpPr>
+        <a:xfrm>
+          <a:off x="0" y="0"/>
+          <a:ext cx="0" cy="0"/>
+          <a:chOff x="0" y="0"/>
+          <a:chExt cx="0" cy="0"/>
+        </a:xfrm>
+      </p:grpSpPr>
+      <p:sp>
+        <p:nvSpPr>
+          <p:cNvPr id="5" name="Объект 4"/>
+          <p:cNvSpPr>
+            <a:spLocks noGrp="1"/>
+          </p:cNvSpPr>
+          <p:nvPr>
+            <p:ph idx="1"/>
+          </p:nvPr>
+        </p:nvSpPr>
+        <p:spPr>
+          <a:xfrm>
+            <a:off x="1141412" y="777922"/>
+            <a:ext cx="9905999" cy="5363571"/>
+          </a:xfrm>
+        </p:spPr>
+        <p:txBody>
+          <a:bodyPr>
+            <a:normAutofit fontScale="92500" lnSpcReduction="20000"/>
+          </a:bodyPr>
+          <a:lstStyle/>
+          <a:p>
+            <a:pPr marL="0" indent="0">
+              <a:buNone/>
+            </a:pPr>
+            <a:r>
+              <a:rPr lang="ru-RU" dirty="0" smtClean="0">
+                <a:latin typeface="Arial Black" panose="020B0A04020102020204" pitchFamily="34" charset="0"/>
+              </a:rPr>
+              <a:t>Цель: разработать </a:t>
+            </a:r>
+            <a:r>
+              <a:rPr lang="ru-RU" dirty="0">
+                <a:latin typeface="Arial Black" panose="020B0A04020102020204" pitchFamily="34" charset="0"/>
+              </a:rPr>
+              <a:t>приложение для отображения формул и работы с ними</a:t>
+            </a:r>
+            <a:r>
+              <a:rPr lang="ru-RU" dirty="0" smtClean="0">
+                <a:latin typeface="Arial Black" panose="020B0A04020102020204" pitchFamily="34" charset="0"/>
+              </a:rPr>
+              <a:t>.</a:t>
+            </a:r>
+          </a:p>
+          <a:p>
+            <a:pPr marL="0" indent="0">
+              <a:buNone/>
+            </a:pPr>
+            <a:endParaRPr lang="ru-RU" dirty="0" smtClean="0">
+              <a:latin typeface="Arial Black" panose="020B0A04020102020204" pitchFamily="34" charset="0"/>
+            </a:endParaRPr>
+          </a:p>
+          <a:p>
+            <a:pPr marL="0" indent="0">
+              <a:buNone/>
+            </a:pPr>
+            <a:r>
+              <a:rPr lang="ru-RU" dirty="0" smtClean="0">
+                <a:latin typeface="Arial Black" panose="020B0A04020102020204" pitchFamily="34" charset="0"/>
+              </a:rPr>
+              <a:t>Задачи:</a:t>
+            </a:r>
+          </a:p>
+          <a:p>
+            <a:pPr marL="457200" lvl="0" indent="-457200">
+              <a:buFont typeface="+mj-lt"/>
+              <a:buAutoNum type="arabicPeriod"/>
+            </a:pPr>
+            <a:r>
+              <a:rPr lang="ru-RU" dirty="0">
+                <a:latin typeface="Arial Black" panose="020B0A04020102020204" pitchFamily="34" charset="0"/>
+              </a:rPr>
+              <a:t>Проанализировать инструментарий и возможности языка </a:t>
+            </a:r>
+            <a:r>
+              <a:rPr lang="ru-RU" dirty="0" err="1">
+                <a:latin typeface="Arial Black" panose="020B0A04020102020204" pitchFamily="34" charset="0"/>
+              </a:rPr>
+              <a:t>Python</a:t>
+            </a:r>
+            <a:r>
+              <a:rPr lang="ru-RU" dirty="0">
+                <a:latin typeface="Arial Black" panose="020B0A04020102020204" pitchFamily="34" charset="0"/>
+              </a:rPr>
+              <a:t> для реализации проекта.</a:t>
+            </a:r>
+          </a:p>
+          <a:p>
+            <a:pPr marL="457200" lvl="0" indent="-457200">
+              <a:buFont typeface="+mj-lt"/>
+              <a:buAutoNum type="arabicPeriod"/>
+            </a:pPr>
+            <a:r>
+              <a:rPr lang="ru-RU" dirty="0">
+                <a:latin typeface="Arial Black" panose="020B0A04020102020204" pitchFamily="34" charset="0"/>
+              </a:rPr>
+              <a:t>Познакомится с базами данных как способом хранения информации, спроектировать базу данных для хранения формул, их выводов и взаимосвязей.</a:t>
+            </a:r>
+          </a:p>
+          <a:p>
+            <a:pPr marL="457200" lvl="0" indent="-457200">
+              <a:buFont typeface="+mj-lt"/>
+              <a:buAutoNum type="arabicPeriod"/>
+            </a:pPr>
+            <a:r>
+              <a:rPr lang="ru-RU" dirty="0">
+                <a:latin typeface="Arial Black" panose="020B0A04020102020204" pitchFamily="34" charset="0"/>
+              </a:rPr>
+              <a:t>Познакомиться с различными форматами представления формул и выбрать формат.</a:t>
+            </a:r>
+          </a:p>
+          <a:p>
+            <a:pPr marL="457200" lvl="0" indent="-457200">
+              <a:buFont typeface="+mj-lt"/>
+              <a:buAutoNum type="arabicPeriod"/>
+            </a:pPr>
+            <a:r>
+              <a:rPr lang="ru-RU" dirty="0">
+                <a:latin typeface="Arial Black" panose="020B0A04020102020204" pitchFamily="34" charset="0"/>
+              </a:rPr>
+              <a:t>Разработка универсального приложения, доступного для всех пользователей.</a:t>
+            </a:r>
+          </a:p>
+          <a:p>
+            <a:pPr marL="0" indent="0">
+              <a:buNone/>
+            </a:pPr>
+            <a:endParaRPr lang="ru-RU" dirty="0">
+              <a:latin typeface="Arial Black" panose="020B0A04020102020204" pitchFamily="34" charset="0"/>
+            </a:endParaRPr>
+          </a:p>
+        </p:txBody>
+      </p:sp>
+    </p:spTree>
+    <p:extLst>
+      <p:ext uri="{BB962C8B-B14F-4D97-AF65-F5344CB8AC3E}">
+        <p14:creationId xmlns:p14="http://schemas.microsoft.com/office/powerpoint/2010/main" val="1088456276"/>
+      </p:ext>
+    </p:extLst>
+  </p:cSld>
+  <p:clrMapOvr>
+    <a:masterClrMapping/>
+  </p:clrMapOvr>
+  <p:transition spd="med">
+    <p:pull/>
+  </p:transition>
+  <p:timing>
+    <p:tnLst>
+      <p:par>
+        <p:cTn id="1" dur="indefinite" restart="never" nodeType="tmRoot"/>
+      </p:par>
+    </p:tnLst>
+  </p:timing>
+</p:sld>
+</file>
+
+<file path=ppt/slides/slide4.xml><?xml version="1.0" encoding="utf-8"?>
+<p:sld xmlns:a="http://schemas.openxmlformats.org/drawingml/2006/main" xmlns:r="http://schemas.openxmlformats.org/officeDocument/2006/relationships" xmlns:p="http://schemas.openxmlformats.org/presentationml/2006/main">
+  <p:cSld>
+    <p:spTree>
+      <p:nvGrpSpPr>
+        <p:cNvPr id="1" name=""/>
+        <p:cNvGrpSpPr/>
+        <p:nvPr/>
+      </p:nvGrpSpPr>
+      <p:grpSpPr>
+        <a:xfrm>
+          <a:off x="0" y="0"/>
+          <a:ext cx="0" cy="0"/>
+          <a:chOff x="0" y="0"/>
+          <a:chExt cx="0" cy="0"/>
+        </a:xfrm>
+      </p:grpSpPr>
+      <p:sp>
+        <p:nvSpPr>
+          <p:cNvPr id="2" name="Заголовок 1"/>
+          <p:cNvSpPr>
+            <a:spLocks noGrp="1"/>
+          </p:cNvSpPr>
+          <p:nvPr>
+            <p:ph type="title"/>
+          </p:nvPr>
+        </p:nvSpPr>
+        <p:spPr>
+          <a:xfrm>
+            <a:off x="1141413" y="263677"/>
+            <a:ext cx="9905998" cy="964622"/>
+          </a:xfrm>
+        </p:spPr>
+        <p:txBody>
+          <a:bodyPr>
+            <a:normAutofit/>
+          </a:bodyPr>
+          <a:lstStyle/>
+          <a:p>
+            <a:r>
+              <a:rPr lang="ru-RU" sz="2500" dirty="0" smtClean="0">
+                <a:latin typeface="Arial Black" panose="020B0A04020102020204" pitchFamily="34" charset="0"/>
+              </a:rPr>
+              <a:t>Этапы разработки</a:t>
+            </a:r>
+            <a:endParaRPr lang="ru-RU" sz="2500" dirty="0">
+              <a:latin typeface="Arial Black" panose="020B0A04020102020204" pitchFamily="34" charset="0"/>
+            </a:endParaRPr>
+          </a:p>
+        </p:txBody>
+      </p:sp>
+      <p:sp>
+        <p:nvSpPr>
+          <p:cNvPr id="4" name="Прямоугольник: скругленные углы 8">
+            <a:extLst>
+              <a:ext uri="{FF2B5EF4-FFF2-40B4-BE49-F238E27FC236}">
+                <a16:creationId xmlns:a16="http://schemas.microsoft.com/office/drawing/2014/main" id="{1F69D6E8-18D8-D512-5632-A9DB9647FDCD}"/>
+              </a:ext>
+            </a:extLst>
+          </p:cNvPr>
+          <p:cNvSpPr/>
+          <p:nvPr/>
+        </p:nvSpPr>
+        <p:spPr>
+          <a:xfrm>
+            <a:off x="1141411" y="1290101"/>
+            <a:ext cx="4740773" cy="744746"/>
+          </a:xfrm>
+          <a:prstGeom prst="roundRect">
+            <a:avLst/>
+          </a:prstGeom>
+          <a:solidFill>
+            <a:schemeClr val="bg2"/>
+          </a:solidFill>
+          <a:ln>
+            <a:solidFill>
+              <a:schemeClr val="tx2"/>
+            </a:solidFill>
+          </a:ln>
+        </p:spPr>
+        <p:style>
+          <a:lnRef idx="2">
+            <a:schemeClr val="accent1">
+              <a:shade val="15000"/>
+            </a:schemeClr>
+          </a:lnRef>
+          <a:fillRef idx="1">
+            <a:schemeClr val="accent1"/>
+          </a:fillRef>
+          <a:effectRef idx="0">
+            <a:schemeClr val="accent1"/>
+          </a:effectRef>
+          <a:fontRef idx="minor">
+            <a:schemeClr val="lt1"/>
+          </a:fontRef>
+        </p:style>
+        <p:txBody>
+          <a:bodyPr rtlCol="0" anchor="ctr"/>
+          <a:lstStyle/>
+          <a:p>
+            <a:pPr lvl="0" algn="ctr"/>
+            <a:r>
+              <a:rPr lang="ru-RU" dirty="0" smtClean="0">
+                <a:latin typeface="Arial Black" panose="020B0A04020102020204" pitchFamily="34" charset="0"/>
+              </a:rPr>
+              <a:t>Определение основной идеи и цели приложения</a:t>
+            </a:r>
+            <a:endParaRPr lang="ru-RU" dirty="0">
+              <a:latin typeface="Arial Black" panose="020B0A04020102020204" pitchFamily="34" charset="0"/>
+            </a:endParaRPr>
+          </a:p>
+        </p:txBody>
+      </p:sp>
+      <p:sp>
+        <p:nvSpPr>
+          <p:cNvPr id="5" name="Прямоугольник: скругленные углы 8">
+            <a:extLst>
+              <a:ext uri="{FF2B5EF4-FFF2-40B4-BE49-F238E27FC236}">
+                <a16:creationId xmlns:a16="http://schemas.microsoft.com/office/drawing/2014/main" id="{1F69D6E8-18D8-D512-5632-A9DB9647FDCD}"/>
+              </a:ext>
+            </a:extLst>
+          </p:cNvPr>
+          <p:cNvSpPr/>
+          <p:nvPr/>
+        </p:nvSpPr>
+        <p:spPr>
+          <a:xfrm>
+            <a:off x="1141411" y="3933590"/>
+            <a:ext cx="4740772" cy="600855"/>
+          </a:xfrm>
+          <a:prstGeom prst="roundRect">
+            <a:avLst/>
+          </a:prstGeom>
+          <a:solidFill>
+            <a:schemeClr val="bg2"/>
+          </a:solidFill>
+          <a:ln>
+            <a:solidFill>
+              <a:schemeClr val="tx2"/>
+            </a:solidFill>
+          </a:ln>
+        </p:spPr>
+        <p:style>
+          <a:lnRef idx="2">
+            <a:schemeClr val="accent1">
+              <a:shade val="15000"/>
+            </a:schemeClr>
+          </a:lnRef>
+          <a:fillRef idx="1">
+            <a:schemeClr val="accent1"/>
+          </a:fillRef>
+          <a:effectRef idx="0">
+            <a:schemeClr val="accent1"/>
+          </a:effectRef>
+          <a:fontRef idx="minor">
+            <a:schemeClr val="lt1"/>
+          </a:fontRef>
+        </p:style>
+        <p:txBody>
+          <a:bodyPr rtlCol="0" anchor="ctr"/>
+          <a:lstStyle/>
+          <a:p>
+            <a:pPr lvl="0" algn="ctr"/>
+            <a:r>
+              <a:rPr lang="ru-RU" dirty="0">
+                <a:latin typeface="Arial Black" panose="020B0A04020102020204" pitchFamily="34" charset="0"/>
+              </a:rPr>
+              <a:t>Разработка, кодирование</a:t>
+            </a:r>
+          </a:p>
+        </p:txBody>
+      </p:sp>
+      <p:sp>
+        <p:nvSpPr>
+          <p:cNvPr id="6" name="Прямоугольник: скругленные углы 8">
+            <a:extLst>
+              <a:ext uri="{FF2B5EF4-FFF2-40B4-BE49-F238E27FC236}">
+                <a16:creationId xmlns:a16="http://schemas.microsoft.com/office/drawing/2014/main" id="{1F69D6E8-18D8-D512-5632-A9DB9647FDCD}"/>
+              </a:ext>
+            </a:extLst>
+          </p:cNvPr>
+          <p:cNvSpPr/>
+          <p:nvPr/>
+        </p:nvSpPr>
+        <p:spPr>
+          <a:xfrm>
+            <a:off x="1141411" y="2226423"/>
+            <a:ext cx="4740772" cy="1461219"/>
+          </a:xfrm>
+          <a:prstGeom prst="roundRect">
+            <a:avLst/>
+          </a:prstGeom>
+          <a:solidFill>
+            <a:schemeClr val="bg2"/>
+          </a:solidFill>
+          <a:ln>
+            <a:solidFill>
+              <a:schemeClr val="tx2"/>
+            </a:solidFill>
+          </a:ln>
+        </p:spPr>
+        <p:style>
+          <a:lnRef idx="2">
+            <a:schemeClr val="accent1">
+              <a:shade val="15000"/>
+            </a:schemeClr>
+          </a:lnRef>
+          <a:fillRef idx="1">
+            <a:schemeClr val="accent1"/>
+          </a:fillRef>
+          <a:effectRef idx="0">
+            <a:schemeClr val="accent1"/>
+          </a:effectRef>
+          <a:fontRef idx="minor">
+            <a:schemeClr val="lt1"/>
+          </a:fontRef>
+        </p:style>
+        <p:txBody>
+          <a:bodyPr rtlCol="0" anchor="ctr"/>
+          <a:lstStyle/>
+          <a:p>
+            <a:pPr algn="ctr"/>
+            <a:r>
+              <a:rPr lang="ru-RU" dirty="0" smtClean="0">
+                <a:latin typeface="Arial Black" panose="020B0A04020102020204" pitchFamily="34" charset="0"/>
+              </a:rPr>
+              <a:t>Проектирование</a:t>
+            </a:r>
+            <a:r>
+              <a:rPr lang="ru-RU" dirty="0">
+                <a:latin typeface="Arial Black" panose="020B0A04020102020204" pitchFamily="34" charset="0"/>
+              </a:rPr>
+              <a:t>: </a:t>
+            </a:r>
+            <a:endParaRPr lang="ru-RU" dirty="0" smtClean="0">
+              <a:latin typeface="Arial Black" panose="020B0A04020102020204" pitchFamily="34" charset="0"/>
+            </a:endParaRPr>
+          </a:p>
+          <a:p>
+            <a:pPr algn="ctr"/>
+            <a:r>
+              <a:rPr lang="ru-RU" dirty="0" smtClean="0">
+                <a:latin typeface="Arial Black" panose="020B0A04020102020204" pitchFamily="34" charset="0"/>
+              </a:rPr>
+              <a:t>Инструменты</a:t>
+            </a:r>
+            <a:r>
+              <a:rPr lang="en-US" dirty="0" smtClean="0">
+                <a:latin typeface="Arial Black" panose="020B0A04020102020204" pitchFamily="34" charset="0"/>
+              </a:rPr>
+              <a:t> </a:t>
+            </a:r>
+            <a:r>
+              <a:rPr lang="ru-RU" dirty="0" smtClean="0">
+                <a:latin typeface="Arial Black" panose="020B0A04020102020204" pitchFamily="34" charset="0"/>
+              </a:rPr>
+              <a:t>и</a:t>
+            </a:r>
+            <a:r>
+              <a:rPr lang="ru-RU" dirty="0">
+                <a:latin typeface="Arial Black" panose="020B0A04020102020204" pitchFamily="34" charset="0"/>
+              </a:rPr>
+              <a:t> </a:t>
+            </a:r>
+            <a:r>
+              <a:rPr lang="ru-RU" dirty="0" smtClean="0">
+                <a:latin typeface="Arial Black" panose="020B0A04020102020204" pitchFamily="34" charset="0"/>
+              </a:rPr>
+              <a:t>технологии</a:t>
+            </a:r>
+            <a:r>
+              <a:rPr lang="en-US" dirty="0" smtClean="0">
+                <a:latin typeface="Arial Black" panose="020B0A04020102020204" pitchFamily="34" charset="0"/>
+              </a:rPr>
+              <a:t> </a:t>
+            </a:r>
+            <a:r>
+              <a:rPr lang="ru-RU" dirty="0">
+                <a:latin typeface="Arial Black" panose="020B0A04020102020204" pitchFamily="34" charset="0"/>
+              </a:rPr>
+              <a:t>(базы данных, языки программирования, библиотеки</a:t>
+            </a:r>
+            <a:r>
+              <a:rPr lang="ru-RU" dirty="0" smtClean="0">
+                <a:latin typeface="Arial Black" panose="020B0A04020102020204" pitchFamily="34" charset="0"/>
+              </a:rPr>
+              <a:t>)</a:t>
+            </a:r>
+            <a:r>
+              <a:rPr lang="en-US" dirty="0" smtClean="0">
+                <a:latin typeface="Arial Black" panose="020B0A04020102020204" pitchFamily="34" charset="0"/>
+              </a:rPr>
+              <a:t>,</a:t>
+            </a:r>
+            <a:endParaRPr lang="ru-RU" dirty="0">
+              <a:latin typeface="Arial Black" panose="020B0A04020102020204" pitchFamily="34" charset="0"/>
+            </a:endParaRPr>
+          </a:p>
+          <a:p>
+            <a:pPr algn="ctr"/>
+            <a:r>
+              <a:rPr lang="en-US" dirty="0" smtClean="0">
+                <a:latin typeface="Arial Black" panose="020B0A04020102020204" pitchFamily="34" charset="0"/>
+              </a:rPr>
+              <a:t> </a:t>
+            </a:r>
+            <a:r>
+              <a:rPr lang="ru-RU" dirty="0" smtClean="0">
+                <a:latin typeface="Arial Black" panose="020B0A04020102020204" pitchFamily="34" charset="0"/>
+              </a:rPr>
+              <a:t>пользовательский интерфейс</a:t>
+            </a:r>
+            <a:endParaRPr lang="ru-RU" dirty="0">
+              <a:latin typeface="Arial Black" panose="020B0A04020102020204" pitchFamily="34" charset="0"/>
+            </a:endParaRPr>
+          </a:p>
+        </p:txBody>
+      </p:sp>
+      <p:sp>
+        <p:nvSpPr>
+          <p:cNvPr id="7" name="Прямоугольник: скругленные углы 8">
+            <a:extLst>
+              <a:ext uri="{FF2B5EF4-FFF2-40B4-BE49-F238E27FC236}">
+                <a16:creationId xmlns:a16="http://schemas.microsoft.com/office/drawing/2014/main" id="{1F69D6E8-18D8-D512-5632-A9DB9647FDCD}"/>
+              </a:ext>
+            </a:extLst>
+          </p:cNvPr>
+          <p:cNvSpPr/>
+          <p:nvPr/>
+        </p:nvSpPr>
+        <p:spPr>
+          <a:xfrm>
+            <a:off x="1141411" y="4780393"/>
+            <a:ext cx="4740772" cy="610473"/>
+          </a:xfrm>
+          <a:prstGeom prst="roundRect">
+            <a:avLst/>
+          </a:prstGeom>
+          <a:solidFill>
+            <a:schemeClr val="bg2"/>
+          </a:solidFill>
+          <a:ln>
+            <a:solidFill>
+              <a:schemeClr val="tx2"/>
+            </a:solidFill>
+          </a:ln>
+        </p:spPr>
+        <p:style>
+          <a:lnRef idx="2">
+            <a:schemeClr val="accent1">
+              <a:shade val="15000"/>
+            </a:schemeClr>
+          </a:lnRef>
+          <a:fillRef idx="1">
+            <a:schemeClr val="accent1"/>
+          </a:fillRef>
+          <a:effectRef idx="0">
+            <a:schemeClr val="accent1"/>
+          </a:effectRef>
+          <a:fontRef idx="minor">
+            <a:schemeClr val="lt1"/>
+          </a:fontRef>
+        </p:style>
+        <p:txBody>
+          <a:bodyPr rtlCol="0" anchor="ctr"/>
+          <a:lstStyle/>
+          <a:p>
+            <a:pPr lvl="0" algn="ctr"/>
+            <a:r>
+              <a:rPr lang="ru-RU" dirty="0" smtClean="0">
+                <a:latin typeface="Arial Black" panose="020B0A04020102020204" pitchFamily="34" charset="0"/>
+              </a:rPr>
+              <a:t>Отладка (исправление ошибок, </a:t>
+            </a:r>
+            <a:r>
+              <a:rPr lang="ru-RU" dirty="0" err="1" smtClean="0">
+                <a:latin typeface="Arial Black" panose="020B0A04020102020204" pitchFamily="34" charset="0"/>
+              </a:rPr>
+              <a:t>тестировка</a:t>
+            </a:r>
+            <a:r>
+              <a:rPr lang="ru-RU" dirty="0" smtClean="0">
+                <a:latin typeface="Arial Black" panose="020B0A04020102020204" pitchFamily="34" charset="0"/>
+              </a:rPr>
+              <a:t>)</a:t>
+            </a:r>
+            <a:endParaRPr lang="ru-RU" dirty="0">
+              <a:latin typeface="Arial Black" panose="020B0A04020102020204" pitchFamily="34" charset="0"/>
+            </a:endParaRPr>
+          </a:p>
+        </p:txBody>
+      </p:sp>
+      <p:sp>
+        <p:nvSpPr>
+          <p:cNvPr id="8" name="Прямоугольник: скругленные углы 8">
+            <a:extLst>
+              <a:ext uri="{FF2B5EF4-FFF2-40B4-BE49-F238E27FC236}">
+                <a16:creationId xmlns:a16="http://schemas.microsoft.com/office/drawing/2014/main" id="{1F69D6E8-18D8-D512-5632-A9DB9647FDCD}"/>
+              </a:ext>
+            </a:extLst>
+          </p:cNvPr>
+          <p:cNvSpPr/>
+          <p:nvPr/>
+        </p:nvSpPr>
+        <p:spPr>
+          <a:xfrm>
+            <a:off x="1141411" y="5636814"/>
+            <a:ext cx="4740772" cy="635022"/>
+          </a:xfrm>
+          <a:prstGeom prst="roundRect">
+            <a:avLst/>
+          </a:prstGeom>
+          <a:solidFill>
+            <a:schemeClr val="bg2"/>
+          </a:solidFill>
+          <a:ln>
+            <a:solidFill>
+              <a:schemeClr val="tx2"/>
+            </a:solidFill>
+          </a:ln>
+        </p:spPr>
+        <p:style>
+          <a:lnRef idx="2">
+            <a:schemeClr val="accent1">
+              <a:shade val="15000"/>
+            </a:schemeClr>
+          </a:lnRef>
+          <a:fillRef idx="1">
+            <a:schemeClr val="accent1"/>
+          </a:fillRef>
+          <a:effectRef idx="0">
+            <a:schemeClr val="accent1"/>
+          </a:effectRef>
+          <a:fontRef idx="minor">
+            <a:schemeClr val="lt1"/>
+          </a:fontRef>
+        </p:style>
+        <p:txBody>
+          <a:bodyPr rtlCol="0" anchor="ctr"/>
+          <a:lstStyle/>
+          <a:p>
+            <a:pPr lvl="0" algn="ctr"/>
+            <a:r>
+              <a:rPr lang="ru-RU" dirty="0" smtClean="0">
+                <a:latin typeface="Arial Black" panose="020B0A04020102020204" pitchFamily="34" charset="0"/>
+              </a:rPr>
+              <a:t>Пробный релиз</a:t>
+            </a:r>
+            <a:endParaRPr lang="ru-RU" dirty="0">
+              <a:latin typeface="Arial Black" panose="020B0A04020102020204" pitchFamily="34" charset="0"/>
+            </a:endParaRPr>
+          </a:p>
+        </p:txBody>
+      </p:sp>
+      <p:pic>
+        <p:nvPicPr>
+          <p:cNvPr id="1028" name="Picture 4" descr="Picture background"/>
+          <p:cNvPicPr>
+            <a:picLocks noChangeAspect="1" noChangeArrowheads="1"/>
+          </p:cNvPicPr>
+          <p:nvPr/>
+        </p:nvPicPr>
+        <p:blipFill>
+          <a:blip r:embed="rId2">
+            <a:extLst>
+              <a:ext uri="{28A0092B-C50C-407E-A947-70E740481C1C}">
+                <a14:useLocalDpi xmlns:a14="http://schemas.microsoft.com/office/drawing/2010/main" val="0"/>
+              </a:ext>
+            </a:extLst>
+          </a:blip>
+          <a:srcRect/>
+          <a:stretch>
+            <a:fillRect/>
+          </a:stretch>
+        </p:blipFill>
+        <p:spPr bwMode="auto">
+          <a:xfrm>
+            <a:off x="6094412" y="1910793"/>
+            <a:ext cx="5617428" cy="4646447"/>
+          </a:xfrm>
+          <a:prstGeom prst="rect">
+            <a:avLst/>
+          </a:prstGeom>
+          <a:noFill/>
+          <a:extLst>
+            <a:ext uri="{909E8E84-426E-40DD-AFC4-6F175D3DCCD1}">
+              <a14:hiddenFill xmlns:a14="http://schemas.microsoft.com/office/drawing/2010/main">
+                <a:solidFill>
+                  <a:srgbClr val="FFFFFF"/>
+                </a:solidFill>
+              </a14:hiddenFill>
+            </a:ext>
+          </a:extLst>
+        </p:spPr>
+      </p:pic>
+    </p:spTree>
+    <p:extLst>
+      <p:ext uri="{BB962C8B-B14F-4D97-AF65-F5344CB8AC3E}">
+        <p14:creationId xmlns:p14="http://schemas.microsoft.com/office/powerpoint/2010/main" val="1719464682"/>
+      </p:ext>
+    </p:extLst>
+  </p:cSld>
+  <p:clrMapOvr>
+    <a:masterClrMapping/>
+  </p:clrMapOvr>
+  <p:transition spd="med">
+    <p:pull/>
+  </p:transition>
+  <p:timing>
+    <p:tnLst>
+      <p:par>
+        <p:cTn id="1" dur="indefinite" restart="never" nodeType="tmRoot"/>
+      </p:par>
+    </p:tnLst>
+  </p:timing>
+</p:sld>
+</file>
+
+<file path=ppt/slides/slide5.xml><?xml version="1.0" encoding="utf-8"?>
+<p:sld xmlns:a="http://schemas.openxmlformats.org/drawingml/2006/main" xmlns:r="http://schemas.openxmlformats.org/officeDocument/2006/relationships" xmlns:p="http://schemas.openxmlformats.org/presentationml/2006/main">
+  <p:cSld>
+    <p:spTree>
+      <p:nvGrpSpPr>
+        <p:cNvPr id="1" name=""/>
+        <p:cNvGrpSpPr/>
+        <p:nvPr/>
+      </p:nvGrpSpPr>
+      <p:grpSpPr>
+        <a:xfrm>
+          <a:off x="0" y="0"/>
+          <a:ext cx="0" cy="0"/>
+          <a:chOff x="0" y="0"/>
+          <a:chExt cx="0" cy="0"/>
+        </a:xfrm>
+      </p:grpSpPr>
+      <p:sp>
+        <p:nvSpPr>
+          <p:cNvPr id="2" name="Заголовок 1"/>
+          <p:cNvSpPr>
+            <a:spLocks noGrp="1"/>
+          </p:cNvSpPr>
+          <p:nvPr>
+            <p:ph type="title"/>
+          </p:nvPr>
+        </p:nvSpPr>
+        <p:spPr>
+          <a:xfrm>
+            <a:off x="1141413" y="113551"/>
+            <a:ext cx="9905998" cy="1251225"/>
+          </a:xfrm>
+        </p:spPr>
+        <p:txBody>
+          <a:bodyPr>
+            <a:noAutofit/>
+          </a:bodyPr>
+          <a:lstStyle/>
+          <a:p>
+            <a:r>
+              <a:rPr lang="ru-RU" sz="2400" dirty="0" smtClean="0">
+                <a:latin typeface="Arial Black" panose="020B0A04020102020204" pitchFamily="34" charset="0"/>
+              </a:rPr>
+              <a:t>Выбор технологий и инструментов.</a:t>
+            </a:r>
+            <a:r>
+              <a:rPr lang="ru-RU" sz="2400" dirty="0">
+                <a:latin typeface="Arial Black" panose="020B0A04020102020204" pitchFamily="34" charset="0"/>
+              </a:rPr>
+              <a:t/>
+            </a:r>
+            <a:br>
+              <a:rPr lang="ru-RU" sz="2400" dirty="0">
+                <a:latin typeface="Arial Black" panose="020B0A04020102020204" pitchFamily="34" charset="0"/>
+              </a:rPr>
+            </a:br>
+            <a:r>
+              <a:rPr lang="ru-RU" sz="2400" dirty="0" smtClean="0">
+                <a:latin typeface="Arial Black" panose="020B0A04020102020204" pitchFamily="34" charset="0"/>
+              </a:rPr>
+              <a:t>язык программирования</a:t>
+            </a:r>
+            <a:endParaRPr lang="ru-RU" sz="2400" dirty="0">
+              <a:latin typeface="Arial Black" panose="020B0A04020102020204" pitchFamily="34" charset="0"/>
+            </a:endParaRPr>
+          </a:p>
+        </p:txBody>
+      </p:sp>
+      <p:sp>
+        <p:nvSpPr>
+          <p:cNvPr id="3" name="Объект 2"/>
+          <p:cNvSpPr>
+            <a:spLocks noGrp="1"/>
+          </p:cNvSpPr>
+          <p:nvPr>
+            <p:ph idx="1"/>
+          </p:nvPr>
+        </p:nvSpPr>
+        <p:spPr>
+          <a:xfrm>
+            <a:off x="1141413" y="1808327"/>
+            <a:ext cx="6897118" cy="3957852"/>
+          </a:xfrm>
+        </p:spPr>
+        <p:txBody>
+          <a:bodyPr>
+            <a:noAutofit/>
+          </a:bodyPr>
+          <a:lstStyle/>
+          <a:p>
+            <a:pPr marL="0" indent="0" algn="just">
+              <a:buNone/>
+            </a:pPr>
+            <a:r>
+              <a:rPr lang="ru-RU" sz="2000" dirty="0" smtClean="0">
+                <a:latin typeface="Arial Black" panose="020B0A04020102020204" pitchFamily="34" charset="0"/>
+              </a:rPr>
+              <a:t>При написании приложения я использовал язык программирования </a:t>
+            </a:r>
+            <a:r>
+              <a:rPr lang="en-US" sz="2000" dirty="0" smtClean="0">
+                <a:latin typeface="Arial Black" panose="020B0A04020102020204" pitchFamily="34" charset="0"/>
+              </a:rPr>
+              <a:t>Python</a:t>
+            </a:r>
+            <a:r>
+              <a:rPr lang="ru-RU" sz="2000" dirty="0" smtClean="0">
+                <a:latin typeface="Arial Black" panose="020B0A04020102020204" pitchFamily="34" charset="0"/>
+              </a:rPr>
+              <a:t>. У этого языка много возможностей для реализации различных проектов, ведь этот язык в сравнении со многими довольно прост, понятен. Язык имеет большой спектр библиотек (специальные инструменты), которые позволяют выполнять различные задачи. Этого языка вполне себе хватит для написания моего приложения. </a:t>
+            </a:r>
+            <a:endParaRPr lang="ru-RU" sz="2000" dirty="0">
+              <a:latin typeface="Arial Black" panose="020B0A04020102020204" pitchFamily="34" charset="0"/>
+            </a:endParaRPr>
+          </a:p>
+        </p:txBody>
+      </p:sp>
+      <p:pic>
+        <p:nvPicPr>
+          <p:cNvPr id="6" name="Рисунок 5"/>
+          <p:cNvPicPr>
+            <a:picLocks noChangeAspect="1"/>
+          </p:cNvPicPr>
+          <p:nvPr/>
+        </p:nvPicPr>
+        <p:blipFill>
+          <a:blip r:embed="rId2">
+            <a:extLst>
+              <a:ext uri="{28A0092B-C50C-407E-A947-70E740481C1C}">
+                <a14:useLocalDpi xmlns:a14="http://schemas.microsoft.com/office/drawing/2010/main" val="0"/>
+              </a:ext>
+            </a:extLst>
+          </a:blip>
+          <a:stretch>
+            <a:fillRect/>
+          </a:stretch>
+        </p:blipFill>
+        <p:spPr>
+          <a:xfrm>
+            <a:off x="8460617" y="2183144"/>
+            <a:ext cx="3208218" cy="3208218"/>
+          </a:xfrm>
+          <a:prstGeom prst="rect">
+            <a:avLst/>
+          </a:prstGeom>
+        </p:spPr>
+      </p:pic>
+    </p:spTree>
+    <p:extLst>
+      <p:ext uri="{BB962C8B-B14F-4D97-AF65-F5344CB8AC3E}">
+        <p14:creationId xmlns:p14="http://schemas.microsoft.com/office/powerpoint/2010/main" val="1758522294"/>
+      </p:ext>
+    </p:extLst>
+  </p:cSld>
+  <p:clrMapOvr>
+    <a:masterClrMapping/>
+  </p:clrMapOvr>
+  <p:transition spd="med">
+    <p:pull/>
+  </p:transition>
+  <p:timing>
+    <p:tnLst>
+      <p:par>
+        <p:cTn id="1" dur="indefinite" restart="never" nodeType="tmRoot"/>
+      </p:par>
+    </p:tnLst>
+  </p:timing>
+</p:sld>
+</file>
+
+<file path=ppt/slides/slide6.xml><?xml version="1.0" encoding="utf-8"?>
+<p:sld xmlns:a="http://schemas.openxmlformats.org/drawingml/2006/main" xmlns:r="http://schemas.openxmlformats.org/officeDocument/2006/relationships" xmlns:p="http://schemas.openxmlformats.org/presentationml/2006/main">
+  <p:cSld>
+    <p:spTree>
+      <p:nvGrpSpPr>
+        <p:cNvPr id="1" name=""/>
+        <p:cNvGrpSpPr/>
+        <p:nvPr/>
+      </p:nvGrpSpPr>
+      <p:grpSpPr>
+        <a:xfrm>
+          <a:off x="0" y="0"/>
+          <a:ext cx="0" cy="0"/>
+          <a:chOff x="0" y="0"/>
+          <a:chExt cx="0" cy="0"/>
+        </a:xfrm>
+      </p:grpSpPr>
+      <p:sp>
+        <p:nvSpPr>
+          <p:cNvPr id="2" name="Заголовок 1"/>
+          <p:cNvSpPr>
+            <a:spLocks noGrp="1"/>
+          </p:cNvSpPr>
+          <p:nvPr>
+            <p:ph type="title"/>
+          </p:nvPr>
+        </p:nvSpPr>
+        <p:spPr/>
+        <p:txBody>
+          <a:bodyPr>
+            <a:normAutofit/>
+          </a:bodyPr>
+          <a:lstStyle/>
+          <a:p>
+            <a:r>
+              <a:rPr lang="ru-RU" sz="2500" dirty="0" smtClean="0">
+                <a:latin typeface="Arial Black" panose="020B0A04020102020204" pitchFamily="34" charset="0"/>
+              </a:rPr>
+              <a:t>Пользовательский интерфейс. </a:t>
+            </a:r>
+            <a:endParaRPr lang="ru-RU" sz="2500" dirty="0">
+              <a:latin typeface="Arial Black" panose="020B0A04020102020204" pitchFamily="34" charset="0"/>
+            </a:endParaRPr>
+          </a:p>
+        </p:txBody>
+      </p:sp>
+      <p:sp>
+        <p:nvSpPr>
+          <p:cNvPr id="3" name="Объект 2"/>
+          <p:cNvSpPr>
+            <a:spLocks noGrp="1"/>
+          </p:cNvSpPr>
+          <p:nvPr>
+            <p:ph idx="1"/>
+          </p:nvPr>
+        </p:nvSpPr>
+        <p:spPr>
+          <a:xfrm>
+            <a:off x="1141413" y="2249487"/>
+            <a:ext cx="6651460" cy="3541714"/>
+          </a:xfrm>
+        </p:spPr>
+        <p:txBody>
+          <a:bodyPr>
+            <a:normAutofit/>
+          </a:bodyPr>
+          <a:lstStyle/>
+          <a:p>
+            <a:pPr marL="0" indent="0" algn="just">
+              <a:buNone/>
+            </a:pPr>
+            <a:r>
+              <a:rPr lang="ru-RU" sz="2500" dirty="0" smtClean="0">
+                <a:latin typeface="Arial Black" panose="020B0A04020102020204" pitchFamily="34" charset="0"/>
+              </a:rPr>
+              <a:t>Пользовательский интерфейс – это буквально то, что видит тот кто использует приложение. В проекте интерфейс был реализован с помощью </a:t>
+            </a:r>
+            <a:r>
+              <a:rPr lang="en-US" sz="2500" dirty="0" err="1" smtClean="0">
+                <a:latin typeface="Arial Black" panose="020B0A04020102020204" pitchFamily="34" charset="0"/>
+              </a:rPr>
+              <a:t>Tkinter</a:t>
+            </a:r>
+            <a:r>
+              <a:rPr lang="ru-RU" sz="2500" dirty="0" smtClean="0">
+                <a:latin typeface="Arial Black" panose="020B0A04020102020204" pitchFamily="34" charset="0"/>
+              </a:rPr>
+              <a:t>. Хотя были другие кандидаты, но этот самый простой инструмент.</a:t>
+            </a:r>
+            <a:endParaRPr lang="ru-RU" sz="2500" dirty="0">
+              <a:latin typeface="Arial Black" panose="020B0A04020102020204" pitchFamily="34" charset="0"/>
+            </a:endParaRPr>
+          </a:p>
+        </p:txBody>
+      </p:sp>
+      <p:pic>
+        <p:nvPicPr>
+          <p:cNvPr id="4100" name="Picture 4" descr="Picture background"/>
+          <p:cNvPicPr>
+            <a:picLocks noChangeAspect="1" noChangeArrowheads="1"/>
+          </p:cNvPicPr>
+          <p:nvPr/>
+        </p:nvPicPr>
+        <p:blipFill>
+          <a:blip r:embed="rId2">
+            <a:extLst>
+              <a:ext uri="{28A0092B-C50C-407E-A947-70E740481C1C}">
+                <a14:useLocalDpi xmlns:a14="http://schemas.microsoft.com/office/drawing/2010/main" val="0"/>
+              </a:ext>
+            </a:extLst>
+          </a:blip>
+          <a:srcRect/>
+          <a:stretch>
+            <a:fillRect/>
+          </a:stretch>
+        </p:blipFill>
+        <p:spPr bwMode="auto">
+          <a:xfrm>
+            <a:off x="7792873" y="2500311"/>
+            <a:ext cx="4396068" cy="2494769"/>
+          </a:xfrm>
+          <a:prstGeom prst="rect">
+            <a:avLst/>
+          </a:prstGeom>
+          <a:noFill/>
+          <a:extLst>
+            <a:ext uri="{909E8E84-426E-40DD-AFC4-6F175D3DCCD1}">
+              <a14:hiddenFill xmlns:a14="http://schemas.microsoft.com/office/drawing/2010/main">
+                <a:solidFill>
+                  <a:srgbClr val="FFFFFF"/>
+                </a:solidFill>
+              </a14:hiddenFill>
+            </a:ext>
+          </a:extLst>
+        </p:spPr>
+      </p:pic>
+    </p:spTree>
+    <p:extLst>
+      <p:ext uri="{BB962C8B-B14F-4D97-AF65-F5344CB8AC3E}">
+        <p14:creationId xmlns:p14="http://schemas.microsoft.com/office/powerpoint/2010/main" val="3895350242"/>
+      </p:ext>
+    </p:extLst>
+  </p:cSld>
+  <p:clrMapOvr>
+    <a:masterClrMapping/>
+  </p:clrMapOvr>
+  <p:transition spd="med">
+    <p:pull/>
+  </p:transition>
+  <p:timing>
+    <p:tnLst>
+      <p:par>
+        <p:cTn id="1" dur="indefinite" restart="never" nodeType="tmRoot"/>
+      </p:par>
+    </p:tnLst>
+  </p:timing>
+</p:sld>
+</file>
+
+<file path=ppt/slides/slide7.xml><?xml version="1.0" encoding="utf-8"?>
+<p:sld xmlns:a="http://schemas.openxmlformats.org/drawingml/2006/main" xmlns:r="http://schemas.openxmlformats.org/officeDocument/2006/relationships" xmlns:p="http://schemas.openxmlformats.org/presentationml/2006/main">
+  <p:cSld>
+    <p:spTree>
+      <p:nvGrpSpPr>
+        <p:cNvPr id="1" name=""/>
+        <p:cNvGrpSpPr/>
+        <p:nvPr/>
+      </p:nvGrpSpPr>
+      <p:grpSpPr>
+        <a:xfrm>
+          <a:off x="0" y="0"/>
+          <a:ext cx="0" cy="0"/>
+          <a:chOff x="0" y="0"/>
+          <a:chExt cx="0" cy="0"/>
+        </a:xfrm>
+      </p:grpSpPr>
+      <p:sp>
+        <p:nvSpPr>
+          <p:cNvPr id="2" name="Заголовок 1"/>
+          <p:cNvSpPr>
+            <a:spLocks noGrp="1"/>
+          </p:cNvSpPr>
+          <p:nvPr>
+            <p:ph type="title"/>
+          </p:nvPr>
+        </p:nvSpPr>
+        <p:spPr>
+          <a:xfrm>
+            <a:off x="1141413" y="752601"/>
+            <a:ext cx="9905998" cy="896384"/>
+          </a:xfrm>
+        </p:spPr>
+        <p:txBody>
+          <a:bodyPr>
+            <a:normAutofit/>
+          </a:bodyPr>
+          <a:lstStyle/>
+          <a:p>
+            <a:r>
+              <a:rPr lang="ru-RU" sz="2500" dirty="0" smtClean="0">
+                <a:latin typeface="Arial Black" panose="020B0A04020102020204" pitchFamily="34" charset="0"/>
+              </a:rPr>
+              <a:t>База данных. Способ хранения информации</a:t>
+            </a:r>
+            <a:endParaRPr lang="ru-RU" sz="2500" dirty="0">
+              <a:latin typeface="Arial Black" panose="020B0A04020102020204" pitchFamily="34" charset="0"/>
+            </a:endParaRPr>
+          </a:p>
+        </p:txBody>
+      </p:sp>
+      <p:sp>
+        <p:nvSpPr>
+          <p:cNvPr id="3" name="Объект 2"/>
+          <p:cNvSpPr>
+            <a:spLocks noGrp="1"/>
+          </p:cNvSpPr>
+          <p:nvPr>
+            <p:ph idx="1"/>
+          </p:nvPr>
+        </p:nvSpPr>
+        <p:spPr>
+          <a:xfrm>
+            <a:off x="1141413" y="1648985"/>
+            <a:ext cx="9340068" cy="3541714"/>
+          </a:xfrm>
+        </p:spPr>
+        <p:txBody>
+          <a:bodyPr>
+            <a:normAutofit/>
+          </a:bodyPr>
+          <a:lstStyle/>
+          <a:p>
+            <a:pPr marL="0" indent="0" algn="just">
+              <a:buNone/>
+            </a:pPr>
+            <a:r>
+              <a:rPr lang="ru-RU" sz="2000" dirty="0" smtClean="0">
+                <a:latin typeface="Arial Black" panose="020B0A04020102020204" pitchFamily="34" charset="0"/>
+              </a:rPr>
+              <a:t>Базы данных нужны, чтобы хранить информацию в структурированном виде. Они необходимы для обработки больших объемов информации и они способны поддерживать довольно высокую производительность. В проекте я использовал бесплатную систему управления базами данных (СУБД) </a:t>
+            </a:r>
+            <a:r>
+              <a:rPr lang="en-US" sz="2000" dirty="0" smtClean="0">
+                <a:latin typeface="Arial Black" panose="020B0A04020102020204" pitchFamily="34" charset="0"/>
+              </a:rPr>
+              <a:t>SQLite</a:t>
+            </a:r>
+            <a:r>
+              <a:rPr lang="ru-RU" sz="2000" dirty="0" smtClean="0">
+                <a:latin typeface="Arial Black" panose="020B0A04020102020204" pitchFamily="34" charset="0"/>
+              </a:rPr>
+              <a:t>. Она очень проста в установке и в использовании. 	</a:t>
+            </a:r>
+            <a:endParaRPr lang="ru-RU" sz="2000" dirty="0">
+              <a:latin typeface="Arial Black" panose="020B0A04020102020204" pitchFamily="34" charset="0"/>
+            </a:endParaRPr>
+          </a:p>
+        </p:txBody>
+      </p:sp>
+      <p:pic>
+        <p:nvPicPr>
+          <p:cNvPr id="3076" name="Picture 4" descr="Picture background"/>
+          <p:cNvPicPr>
+            <a:picLocks noChangeAspect="1" noChangeArrowheads="1"/>
+          </p:cNvPicPr>
+          <p:nvPr/>
+        </p:nvPicPr>
+        <p:blipFill>
+          <a:blip r:embed="rId2">
+            <a:extLst>
+              <a:ext uri="{28A0092B-C50C-407E-A947-70E740481C1C}">
+                <a14:useLocalDpi xmlns:a14="http://schemas.microsoft.com/office/drawing/2010/main" val="0"/>
+              </a:ext>
+            </a:extLst>
+          </a:blip>
+          <a:srcRect/>
+          <a:stretch>
+            <a:fillRect/>
+          </a:stretch>
+        </p:blipFill>
+        <p:spPr bwMode="auto">
+          <a:xfrm>
+            <a:off x="4114347" y="4262214"/>
+            <a:ext cx="3692171" cy="2049876"/>
+          </a:xfrm>
+          <a:prstGeom prst="rect">
+            <a:avLst/>
+          </a:prstGeom>
+          <a:solidFill>
+            <a:schemeClr val="tx1">
+              <a:lumMod val="65000"/>
+            </a:schemeClr>
+          </a:solidFill>
+          <a:ln>
+            <a:noFill/>
+          </a:ln>
+          <a:effectLst>
+            <a:outerShdw blurRad="107950" dist="12700" dir="5400000" algn="ctr">
+              <a:srgbClr val="000000"/>
+            </a:outerShdw>
+            <a:softEdge rad="31750"/>
+          </a:effectLst>
+          <a:scene3d>
+            <a:camera prst="orthographicFront">
+              <a:rot lat="0" lon="0" rev="0"/>
+            </a:camera>
+            <a:lightRig rig="soft" dir="t">
+              <a:rot lat="0" lon="0" rev="0"/>
+            </a:lightRig>
+          </a:scene3d>
+          <a:sp3d contourW="44450" prstMaterial="matte">
+            <a:bevelT w="63500" h="63500" prst="artDeco"/>
+            <a:contourClr>
+              <a:srgbClr val="FFFFFF"/>
+            </a:contourClr>
+          </a:sp3d>
+        </p:spPr>
+      </p:pic>
+    </p:spTree>
+    <p:extLst>
+      <p:ext uri="{BB962C8B-B14F-4D97-AF65-F5344CB8AC3E}">
+        <p14:creationId xmlns:p14="http://schemas.microsoft.com/office/powerpoint/2010/main" val="713917391"/>
+      </p:ext>
+    </p:extLst>
+  </p:cSld>
+  <p:clrMapOvr>
+    <a:masterClrMapping/>
+  </p:clrMapOvr>
+  <p:transition spd="med">
+    <p:pull/>
+  </p:transition>
+  <p:timing>
+    <p:tnLst>
+      <p:par>
+        <p:cTn id="1" dur="indefinite" restart="never" nodeType="tmRoot"/>
+      </p:par>
+    </p:tnLst>
+  </p:timing>
+</p:sld>
+</file>
+
+<file path=ppt/slides/slide8.xml><?xml version="1.0" encoding="utf-8"?>
+<p:sld xmlns:a="http://schemas.openxmlformats.org/drawingml/2006/main" xmlns:r="http://schemas.openxmlformats.org/officeDocument/2006/relationships" xmlns:p="http://schemas.openxmlformats.org/presentationml/2006/main">
+  <p:cSld>
+    <p:spTree>
+      <p:nvGrpSpPr>
+        <p:cNvPr id="1" name=""/>
+        <p:cNvGrpSpPr/>
+        <p:nvPr/>
+      </p:nvGrpSpPr>
+      <p:grpSpPr>
+        <a:xfrm>
+          <a:off x="0" y="0"/>
+          <a:ext cx="0" cy="0"/>
+          <a:chOff x="0" y="0"/>
+          <a:chExt cx="0" cy="0"/>
+        </a:xfrm>
+      </p:grpSpPr>
+      <p:sp>
+        <p:nvSpPr>
+          <p:cNvPr id="2" name="Заголовок 1"/>
+          <p:cNvSpPr>
+            <a:spLocks noGrp="1"/>
+          </p:cNvSpPr>
+          <p:nvPr>
+            <p:ph type="title"/>
+          </p:nvPr>
+        </p:nvSpPr>
+        <p:spPr>
+          <a:xfrm>
+            <a:off x="1141413" y="125032"/>
+            <a:ext cx="9905998" cy="1478570"/>
+          </a:xfrm>
+        </p:spPr>
+        <p:txBody>
+          <a:bodyPr>
+            <a:normAutofit/>
+          </a:bodyPr>
+          <a:lstStyle/>
+          <a:p>
+            <a:r>
+              <a:rPr lang="ru-RU" sz="2500" dirty="0" smtClean="0">
+                <a:latin typeface="Arial Black" panose="020B0A04020102020204" pitchFamily="34" charset="0"/>
+              </a:rPr>
+              <a:t>Формат представления формул</a:t>
+            </a:r>
+            <a:endParaRPr lang="ru-RU" sz="2500" dirty="0">
+              <a:latin typeface="Arial Black" panose="020B0A04020102020204" pitchFamily="34" charset="0"/>
+            </a:endParaRPr>
+          </a:p>
+        </p:txBody>
+      </p:sp>
+      <p:sp>
+        <p:nvSpPr>
+          <p:cNvPr id="3" name="Объект 2"/>
+          <p:cNvSpPr>
+            <a:spLocks noGrp="1"/>
+          </p:cNvSpPr>
+          <p:nvPr>
+            <p:ph idx="1"/>
+          </p:nvPr>
+        </p:nvSpPr>
+        <p:spPr>
+          <a:xfrm>
+            <a:off x="1141413" y="1255356"/>
+            <a:ext cx="10382930" cy="4126291"/>
+          </a:xfrm>
+        </p:spPr>
+        <p:txBody>
+          <a:bodyPr>
+            <a:normAutofit/>
+          </a:bodyPr>
+          <a:lstStyle/>
+          <a:p>
+            <a:pPr marL="0" indent="0" algn="just">
+              <a:buNone/>
+            </a:pPr>
+            <a:r>
+              <a:rPr lang="ru-RU" sz="2000" dirty="0" smtClean="0">
+                <a:latin typeface="Arial Black" panose="020B0A04020102020204" pitchFamily="34" charset="0"/>
+              </a:rPr>
+              <a:t>Отдельной сложной частью проекта оказалось представление формул. Единого стандарта их вывода просто </a:t>
+            </a:r>
+            <a:r>
+              <a:rPr lang="ru-RU" sz="2000" dirty="0">
+                <a:latin typeface="Arial Black" panose="020B0A04020102020204" pitchFamily="34" charset="0"/>
+              </a:rPr>
+              <a:t>не </a:t>
+            </a:r>
+            <a:r>
+              <a:rPr lang="ru-RU" sz="2000" dirty="0" smtClean="0">
+                <a:latin typeface="Arial Black" panose="020B0A04020102020204" pitchFamily="34" charset="0"/>
+              </a:rPr>
+              <a:t>существует, </a:t>
+            </a:r>
+            <a:r>
+              <a:rPr lang="ru-RU" sz="2000" dirty="0">
+                <a:latin typeface="Arial Black" panose="020B0A04020102020204" pitchFamily="34" charset="0"/>
+              </a:rPr>
+              <a:t>что приводит к несовместимости между различными системами и программами. Это </a:t>
+            </a:r>
+            <a:r>
+              <a:rPr lang="ru-RU" sz="2000" dirty="0" smtClean="0">
+                <a:latin typeface="Arial Black" panose="020B0A04020102020204" pitchFamily="34" charset="0"/>
+              </a:rPr>
+              <a:t>сильно затрудняет </a:t>
+            </a:r>
+            <a:r>
+              <a:rPr lang="ru-RU" sz="2000" dirty="0">
+                <a:latin typeface="Arial Black" panose="020B0A04020102020204" pitchFamily="34" charset="0"/>
+              </a:rPr>
+              <a:t>хранение и обработку </a:t>
+            </a:r>
+            <a:r>
+              <a:rPr lang="ru-RU" sz="2000" dirty="0" smtClean="0">
+                <a:latin typeface="Arial Black" panose="020B0A04020102020204" pitchFamily="34" charset="0"/>
+              </a:rPr>
+              <a:t>формул. Но всё же существует хорошая библиотека</a:t>
+            </a:r>
+            <a:r>
+              <a:rPr lang="en-US" sz="2000" dirty="0" smtClean="0">
+                <a:latin typeface="Arial Black" panose="020B0A04020102020204" pitchFamily="34" charset="0"/>
+              </a:rPr>
+              <a:t> – </a:t>
+            </a:r>
+            <a:r>
+              <a:rPr lang="en-US" sz="2000" dirty="0" err="1" smtClean="0">
+                <a:latin typeface="Arial Black" panose="020B0A04020102020204" pitchFamily="34" charset="0"/>
+              </a:rPr>
+              <a:t>manim</a:t>
+            </a:r>
+            <a:r>
+              <a:rPr lang="ru-RU" sz="2000" dirty="0" smtClean="0">
+                <a:latin typeface="Arial Black" panose="020B0A04020102020204" pitchFamily="34" charset="0"/>
+              </a:rPr>
+              <a:t>. Она позволила наглядно показать, как одни формулы следуют из других, а также красиво вывести саму формулы, поэтому я использовал её в проекте. </a:t>
+            </a:r>
+            <a:endParaRPr lang="ru-RU" sz="2000" dirty="0">
+              <a:latin typeface="Arial Black" panose="020B0A04020102020204" pitchFamily="34" charset="0"/>
+            </a:endParaRPr>
+          </a:p>
+        </p:txBody>
+      </p:sp>
+      <p:pic>
+        <p:nvPicPr>
+          <p:cNvPr id="5122" name="Picture 2" descr="Picture background"/>
+          <p:cNvPicPr>
+            <a:picLocks noChangeAspect="1" noChangeArrowheads="1"/>
+          </p:cNvPicPr>
+          <p:nvPr/>
+        </p:nvPicPr>
+        <p:blipFill>
+          <a:blip r:embed="rId2" cstate="print">
+            <a:extLst>
+              <a:ext uri="{28A0092B-C50C-407E-A947-70E740481C1C}">
+                <a14:useLocalDpi xmlns:a14="http://schemas.microsoft.com/office/drawing/2010/main" val="0"/>
+              </a:ext>
+            </a:extLst>
+          </a:blip>
+          <a:srcRect/>
+          <a:stretch>
+            <a:fillRect/>
+          </a:stretch>
+        </p:blipFill>
+        <p:spPr bwMode="auto">
+          <a:xfrm>
+            <a:off x="2913742" y="4093980"/>
+            <a:ext cx="6361339" cy="2575334"/>
+          </a:xfrm>
+          <a:prstGeom prst="rect">
+            <a:avLst/>
+          </a:prstGeom>
+          <a:noFill/>
+          <a:ln>
+            <a:noFill/>
+          </a:ln>
+          <a:effectLst>
+            <a:outerShdw blurRad="149987" dist="250190" dir="8460000" algn="ctr">
+              <a:srgbClr val="000000">
+                <a:alpha val="28000"/>
+              </a:srgbClr>
+            </a:outerShdw>
+            <a:softEdge rad="31750"/>
+          </a:effectLst>
+          <a:scene3d>
+            <a:camera prst="orthographicFront">
+              <a:rot lat="0" lon="0" rev="0"/>
+            </a:camera>
+            <a:lightRig rig="contrasting" dir="t">
+              <a:rot lat="0" lon="0" rev="1500000"/>
+            </a:lightRig>
+          </a:scene3d>
+          <a:sp3d prstMaterial="metal">
+            <a:bevelT w="88900" h="88900"/>
+          </a:sp3d>
+          <a:extLst>
+            <a:ext uri="{909E8E84-426E-40DD-AFC4-6F175D3DCCD1}">
+              <a14:hiddenFill xmlns:a14="http://schemas.microsoft.com/office/drawing/2010/main">
+                <a:solidFill>
+                  <a:srgbClr val="FFFFFF"/>
+                </a:solidFill>
+              </a14:hiddenFill>
+            </a:ext>
+          </a:extLst>
+        </p:spPr>
+      </p:pic>
+    </p:spTree>
+    <p:extLst>
+      <p:ext uri="{BB962C8B-B14F-4D97-AF65-F5344CB8AC3E}">
+        <p14:creationId xmlns:p14="http://schemas.microsoft.com/office/powerpoint/2010/main" val="600936217"/>
+      </p:ext>
+    </p:extLst>
+  </p:cSld>
+  <p:clrMapOvr>
+    <a:masterClrMapping/>
+  </p:clrMapOvr>
+  <p:transition spd="med">
+    <p:pull/>
+  </p:transition>
+  <p:timing>
+    <p:tnLst>
+      <p:par>
+        <p:cTn id="1" dur="indefinite" restart="never" nodeType="tmRoot"/>
+      </p:par>
+    </p:tnLst>
+  </p:timing>
+</p:sld>
+</file>
+
+<file path=ppt/slides/slide9.xml><?xml version="1.0" encoding="utf-8"?>
+<p:sld xmlns:a="http://schemas.openxmlformats.org/drawingml/2006/main" xmlns:r="http://schemas.openxmlformats.org/officeDocument/2006/relationships" xmlns:p="http://schemas.openxmlformats.org/presentationml/2006/main">
+  <p:cSld>
+    <p:spTree>
+      <p:nvGrpSpPr>
+        <p:cNvPr id="1" name=""/>
+        <p:cNvGrpSpPr/>
+        <p:nvPr/>
+      </p:nvGrpSpPr>
+      <p:grpSpPr>
+        <a:xfrm>
+          <a:off x="0" y="0"/>
+          <a:ext cx="0" cy="0"/>
+          <a:chOff x="0" y="0"/>
+          <a:chExt cx="0" cy="0"/>
+        </a:xfrm>
+      </p:grpSpPr>
+      <p:sp>
+        <p:nvSpPr>
+          <p:cNvPr id="2" name="Заголовок 1"/>
+          <p:cNvSpPr>
+            <a:spLocks noGrp="1"/>
+          </p:cNvSpPr>
+          <p:nvPr>
+            <p:ph type="title"/>
+          </p:nvPr>
+        </p:nvSpPr>
+        <p:spPr/>
+        <p:txBody>
+          <a:bodyPr/>
+          <a:lstStyle/>
+          <a:p>
+            <a:r>
+              <a:rPr lang="ru-RU" dirty="0" smtClean="0"/>
+              <a:t>Интерфейс</a:t>
+            </a:r>
+            <a:endParaRPr lang="ru-RU" dirty="0"/>
+          </a:p>
+        </p:txBody>
+      </p:sp>
+      <p:sp>
+        <p:nvSpPr>
+          <p:cNvPr id="3" name="Объект 2"/>
+          <p:cNvSpPr>
+            <a:spLocks noGrp="1"/>
+          </p:cNvSpPr>
+          <p:nvPr>
+            <p:ph idx="1"/>
+          </p:nvPr>
+        </p:nvSpPr>
+        <p:spPr/>
+        <p:txBody>
+          <a:bodyPr/>
+          <a:lstStyle/>
+          <a:p>
+            <a:endParaRPr lang="ru-RU" dirty="0"/>
+          </a:p>
+        </p:txBody>
+      </p:sp>
+    </p:spTree>
+    <p:extLst>
+      <p:ext uri="{BB962C8B-B14F-4D97-AF65-F5344CB8AC3E}">
+        <p14:creationId xmlns:p14="http://schemas.microsoft.com/office/powerpoint/2010/main" val="2785913660"/>
+      </p:ext>
+    </p:extLst>
+  </p:cSld>
+  <p:clrMapOvr>
+    <a:masterClrMapping/>
+  </p:clrMapOvr>
+  <p:transition spd="med">
+    <p:pull/>
+  </p:transition>
+  <p:timing>
+    <p:tnLst>
+      <p:par>
+        <p:cTn id="1" dur="indefinite" restart="never" nodeType="tmRoot"/>
+      </p:par>
+    </p:tnLst>
+  </p:timing>
 </p:sld>
 </file>
 
